--- a/2022/June_Batch/5Javascript/others/new-version/16CREATING SERVER FOR BACKEND.pptx
+++ b/2022/June_Batch/5Javascript/others/new-version/16CREATING SERVER FOR BACKEND.pptx
@@ -2,7 +2,7 @@
 <file path=ppt/presentation.xml><?xml version="1.0" encoding="utf-8"?>
 <p:presentation xmlns:a="http://schemas.openxmlformats.org/drawingml/2006/main" xmlns:r="http://schemas.openxmlformats.org/officeDocument/2006/relationships" xmlns:p="http://schemas.openxmlformats.org/presentationml/2006/main" saveSubsetFonts="1">
   <p:sldMasterIdLst>
-    <p:sldMasterId id="2147483660" r:id="rId1"/>
+    <p:sldMasterId id="2147483672" r:id="rId1"/>
   </p:sldMasterIdLst>
   <p:sldIdLst>
     <p:sldId id="256" r:id="rId2"/>
@@ -114,13 +114,8 @@
 </file>
 
 <file path=ppt/slideLayouts/slideLayout1.xml><?xml version="1.0" encoding="utf-8"?>
-<p:sldLayout xmlns:a="http://schemas.openxmlformats.org/drawingml/2006/main" xmlns:r="http://schemas.openxmlformats.org/officeDocument/2006/relationships" xmlns:p="http://schemas.openxmlformats.org/presentationml/2006/main" showMasterSp="0" type="title" preserve="1">
+<p:sldLayout xmlns:a="http://schemas.openxmlformats.org/drawingml/2006/main" xmlns:r="http://schemas.openxmlformats.org/officeDocument/2006/relationships" xmlns:p="http://schemas.openxmlformats.org/presentationml/2006/main" type="title" preserve="1">
   <p:cSld name="Title Slide">
-    <p:bg>
-      <p:bgRef idx="1002">
-        <a:schemeClr val="bg1"/>
-      </p:bgRef>
-    </p:bg>
     <p:spTree>
       <p:nvGrpSpPr>
         <p:cNvPr id="1" name=""/>
@@ -137,126 +132,7 @@
       </p:grpSpPr>
       <p:sp>
         <p:nvSpPr>
-          <p:cNvPr id="8" name="Rectangle 7"/>
-          <p:cNvSpPr/>
-          <p:nvPr/>
-        </p:nvSpPr>
-        <p:spPr>
-          <a:xfrm flipH="1">
-            <a:off x="2667000" y="0"/>
-            <a:ext cx="6477000" cy="6858000"/>
-          </a:xfrm>
-          <a:prstGeom prst="rect">
-            <a:avLst/>
-          </a:prstGeom>
-          <a:blipFill>
-            <a:blip r:embed="rId2">
-              <a:alphaModFix amt="43000"/>
-            </a:blip>
-            <a:tile tx="0" ty="0" sx="50000" sy="50000" flip="none" algn="tl"/>
-          </a:blipFill>
-          <a:ln w="0" cap="flat" cmpd="sng" algn="ctr">
-            <a:noFill/>
-            <a:prstDash val="solid"/>
-          </a:ln>
-          <a:effectLst>
-            <a:fillOverlay blend="mult">
-              <a:gradFill rotWithShape="1">
-                <a:gsLst>
-                  <a:gs pos="0">
-                    <a:schemeClr val="tx2">
-                      <a:tint val="62000"/>
-                      <a:satMod val="420000"/>
-                    </a:schemeClr>
-                  </a:gs>
-                  <a:gs pos="100000">
-                    <a:schemeClr val="tx2">
-                      <a:shade val="20000"/>
-                      <a:satMod val="170000"/>
-                    </a:schemeClr>
-                  </a:gs>
-                </a:gsLst>
-                <a:path path="circle">
-                  <a:fillToRect l="50000" t="100000" r="50000"/>
-                </a:path>
-                <a:tileRect/>
-              </a:gradFill>
-            </a:fillOverlay>
-            <a:innerShdw blurRad="63500" dist="44450" dir="10800000">
-              <a:srgbClr val="000000">
-                <a:alpha val="50000"/>
-              </a:srgbClr>
-            </a:innerShdw>
-          </a:effectLst>
-        </p:spPr>
-        <p:style>
-          <a:lnRef idx="3">
-            <a:schemeClr val="lt1"/>
-          </a:lnRef>
-          <a:fillRef idx="1">
-            <a:schemeClr val="accent1"/>
-          </a:fillRef>
-          <a:effectRef idx="1">
-            <a:schemeClr val="accent1"/>
-          </a:effectRef>
-          <a:fontRef idx="minor">
-            <a:schemeClr val="lt1"/>
-          </a:fontRef>
-        </p:style>
-        <p:txBody>
-          <a:bodyPr anchor="ctr"/>
-          <a:lstStyle>
-            <a:extLst/>
-          </a:lstStyle>
-          <a:p>
-            <a:pPr algn="ctr" eaLnBrk="1" latinLnBrk="0" hangingPunct="1"/>
-            <a:endParaRPr kumimoji="0" lang="en-US"/>
-          </a:p>
-        </p:txBody>
-      </p:sp>
-      <p:sp>
-        <p:nvSpPr>
-          <p:cNvPr id="9" name="Straight Connector 8"/>
-          <p:cNvSpPr>
-            <a:spLocks noChangeShapeType="1"/>
-          </p:cNvSpPr>
-          <p:nvPr/>
-        </p:nvSpPr>
-        <p:spPr bwMode="auto">
-          <a:xfrm rot="16200000">
-            <a:off x="-762000" y="3429000"/>
-            <a:ext cx="6858000" cy="0"/>
-          </a:xfrm>
-          <a:prstGeom prst="line">
-            <a:avLst/>
-          </a:prstGeom>
-          <a:noFill/>
-          <a:ln w="11430" cap="flat" cmpd="sng" algn="ctr">
-            <a:solidFill>
-              <a:schemeClr val="bg1">
-                <a:shade val="95000"/>
-              </a:schemeClr>
-            </a:solidFill>
-            <a:prstDash val="solid"/>
-            <a:miter lim="800000"/>
-            <a:headEnd type="none" w="med" len="med"/>
-            <a:tailEnd type="none" w="med" len="med"/>
-          </a:ln>
-          <a:effectLst/>
-        </p:spPr>
-        <p:txBody>
-          <a:bodyPr vert="horz" wrap="square" lIns="91440" tIns="45720" rIns="91440" bIns="45720" anchor="t" compatLnSpc="1"/>
-          <a:lstStyle>
-            <a:extLst/>
-          </a:lstStyle>
-          <a:p>
-            <a:endParaRPr kumimoji="0" lang="en-US"/>
-          </a:p>
-        </p:txBody>
-      </p:sp>
-      <p:sp>
-        <p:nvSpPr>
-          <p:cNvPr id="12" name="Title 11"/>
+          <p:cNvPr id="8" name="Title 7"/>
           <p:cNvSpPr>
             <a:spLocks noGrp="1"/>
           </p:cNvSpPr>
@@ -266,19 +142,61 @@
         </p:nvSpPr>
         <p:spPr>
           <a:xfrm>
-            <a:off x="3366868" y="533400"/>
-            <a:ext cx="5105400" cy="2868168"/>
+            <a:off x="422030" y="1371600"/>
+            <a:ext cx="8229600" cy="1828800"/>
           </a:xfrm>
         </p:spPr>
         <p:txBody>
-          <a:bodyPr lIns="45720" tIns="0" rIns="45720">
-            <a:noAutofit/>
+          <a:bodyPr vert="horz" lIns="45720" tIns="0" rIns="45720" bIns="0" anchor="b">
+            <a:normAutofit/>
+            <a:scene3d>
+              <a:camera prst="orthographicFront"/>
+              <a:lightRig rig="soft" dir="t">
+                <a:rot lat="0" lon="0" rev="17220000"/>
+              </a:lightRig>
+            </a:scene3d>
+            <a:sp3d prstMaterial="softEdge">
+              <a:bevelT w="38100" h="38100"/>
+            </a:sp3d>
           </a:bodyPr>
           <a:lstStyle>
-            <a:lvl1pPr algn="r">
-              <a:defRPr sz="4200" b="1"/>
+            <a:lvl1pPr>
+              <a:defRPr sz="4800" b="1" cap="all" baseline="0">
+                <a:ln w="6350">
+                  <a:noFill/>
+                </a:ln>
+                <a:gradFill>
+                  <a:gsLst>
+                    <a:gs pos="0">
+                      <a:schemeClr val="accent1">
+                        <a:tint val="73000"/>
+                        <a:satMod val="145000"/>
+                      </a:schemeClr>
+                    </a:gs>
+                    <a:gs pos="73000">
+                      <a:schemeClr val="accent1">
+                        <a:tint val="73000"/>
+                        <a:satMod val="145000"/>
+                      </a:schemeClr>
+                    </a:gs>
+                    <a:gs pos="100000">
+                      <a:schemeClr val="accent1">
+                        <a:tint val="83000"/>
+                        <a:satMod val="143000"/>
+                      </a:schemeClr>
+                    </a:gs>
+                  </a:gsLst>
+                  <a:lin ang="4800000" scaled="1"/>
+                </a:gradFill>
+                <a:effectLst>
+                  <a:outerShdw blurRad="127000" dist="200000" dir="2700000" algn="tl" rotWithShape="0">
+                    <a:srgbClr val="000000">
+                      <a:alpha val="30000"/>
+                    </a:srgbClr>
+                  </a:outerShdw>
+                </a:effectLst>
+              </a:defRPr>
             </a:lvl1pPr>
-            <a:extLst/>
           </a:lstStyle>
           <a:p>
             <a:r>
@@ -291,7 +209,74 @@
       </p:sp>
       <p:sp>
         <p:nvSpPr>
-          <p:cNvPr id="25" name="Subtitle 24"/>
+          <p:cNvPr id="28" name="Date Placeholder 27"/>
+          <p:cNvSpPr>
+            <a:spLocks noGrp="1"/>
+          </p:cNvSpPr>
+          <p:nvPr>
+            <p:ph type="dt" sz="half" idx="10"/>
+          </p:nvPr>
+        </p:nvSpPr>
+        <p:spPr/>
+        <p:txBody>
+          <a:bodyPr/>
+          <a:lstStyle/>
+          <a:p>
+            <a:fld id="{CAB7453E-51ED-4977-9F68-E764D7ECA517}" type="datetimeFigureOut">
+              <a:rPr lang="en-US" smtClean="0"/>
+              <a:pPr/>
+              <a:t>8/25/2022</a:t>
+            </a:fld>
+            <a:endParaRPr lang="en-US"/>
+          </a:p>
+        </p:txBody>
+      </p:sp>
+      <p:sp>
+        <p:nvSpPr>
+          <p:cNvPr id="17" name="Footer Placeholder 16"/>
+          <p:cNvSpPr>
+            <a:spLocks noGrp="1"/>
+          </p:cNvSpPr>
+          <p:nvPr>
+            <p:ph type="ftr" sz="quarter" idx="11"/>
+          </p:nvPr>
+        </p:nvSpPr>
+        <p:spPr/>
+        <p:txBody>
+          <a:bodyPr/>
+          <a:lstStyle/>
+          <a:p>
+            <a:endParaRPr lang="en-US"/>
+          </a:p>
+        </p:txBody>
+      </p:sp>
+      <p:sp>
+        <p:nvSpPr>
+          <p:cNvPr id="29" name="Slide Number Placeholder 28"/>
+          <p:cNvSpPr>
+            <a:spLocks noGrp="1"/>
+          </p:cNvSpPr>
+          <p:nvPr>
+            <p:ph type="sldNum" sz="quarter" idx="12"/>
+          </p:nvPr>
+        </p:nvSpPr>
+        <p:spPr/>
+        <p:txBody>
+          <a:bodyPr/>
+          <a:lstStyle/>
+          <a:p>
+            <a:fld id="{6142D011-5628-41B5-8BA8-40A6163AD5EA}" type="slidenum">
+              <a:rPr lang="en-US" smtClean="0"/>
+              <a:pPr/>
+              <a:t>‹#›</a:t>
+            </a:fld>
+            <a:endParaRPr lang="en-US"/>
+          </a:p>
+        </p:txBody>
+      </p:sp>
+      <p:sp>
+        <p:nvSpPr>
+          <p:cNvPr id="9" name="Subtitle 8"/>
           <p:cNvSpPr>
             <a:spLocks noGrp="1"/>
           </p:cNvSpPr>
@@ -301,20 +286,19 @@
         </p:nvSpPr>
         <p:spPr>
           <a:xfrm>
-            <a:off x="3354442" y="3539864"/>
-            <a:ext cx="5114778" cy="1101248"/>
+            <a:off x="1371600" y="3331698"/>
+            <a:ext cx="6400800" cy="1752600"/>
           </a:xfrm>
         </p:spPr>
         <p:txBody>
-          <a:bodyPr lIns="45720" tIns="0" rIns="45720" bIns="0"/>
+          <a:bodyPr/>
           <a:lstStyle>
-            <a:lvl1pPr marL="0" indent="0" algn="r">
+            <a:lvl1pPr marL="0" indent="0" algn="ctr">
               <a:buNone/>
-              <a:defRPr sz="2200">
+              <a:defRPr>
                 <a:solidFill>
-                  <a:srgbClr val="FFFFFF"/>
+                  <a:schemeClr val="tx1"/>
                 </a:solidFill>
-                <a:effectLst/>
               </a:defRPr>
             </a:lvl1pPr>
             <a:lvl2pPr marL="457200" indent="0" algn="ctr">
@@ -341,7 +325,6 @@
             <a:lvl9pPr marL="3657600" indent="0" algn="ctr">
               <a:buNone/>
             </a:lvl9pPr>
-            <a:extLst/>
           </a:lstStyle>
           <a:p>
             <a:r>
@@ -349,122 +332,13 @@
               <a:t>Click to edit Master subtitle style</a:t>
             </a:r>
             <a:endParaRPr kumimoji="0" lang="en-US"/>
-          </a:p>
-        </p:txBody>
-      </p:sp>
-      <p:sp>
-        <p:nvSpPr>
-          <p:cNvPr id="31" name="Date Placeholder 30"/>
-          <p:cNvSpPr>
-            <a:spLocks noGrp="1"/>
-          </p:cNvSpPr>
-          <p:nvPr>
-            <p:ph type="dt" sz="half" idx="10"/>
-          </p:nvPr>
-        </p:nvSpPr>
-        <p:spPr>
-          <a:xfrm>
-            <a:off x="5871224" y="6557946"/>
-            <a:ext cx="2002464" cy="226902"/>
-          </a:xfrm>
-        </p:spPr>
-        <p:txBody>
-          <a:bodyPr/>
-          <a:lstStyle>
-            <a:lvl1pPr>
-              <a:defRPr lang="en-US" smtClean="0">
-                <a:solidFill>
-                  <a:srgbClr val="FFFFFF"/>
-                </a:solidFill>
-              </a:defRPr>
-            </a:lvl1pPr>
-            <a:extLst/>
-          </a:lstStyle>
-          <a:p>
-            <a:fld id="{CAB7453E-51ED-4977-9F68-E764D7ECA517}" type="datetimeFigureOut">
-              <a:rPr lang="en-US" smtClean="0"/>
-              <a:pPr/>
-              <a:t>8/24/2022</a:t>
-            </a:fld>
-            <a:endParaRPr lang="en-US"/>
-          </a:p>
-        </p:txBody>
-      </p:sp>
-      <p:sp>
-        <p:nvSpPr>
-          <p:cNvPr id="18" name="Footer Placeholder 17"/>
-          <p:cNvSpPr>
-            <a:spLocks noGrp="1"/>
-          </p:cNvSpPr>
-          <p:nvPr>
-            <p:ph type="ftr" sz="quarter" idx="11"/>
-          </p:nvPr>
-        </p:nvSpPr>
-        <p:spPr>
-          <a:xfrm>
-            <a:off x="2819400" y="6557946"/>
-            <a:ext cx="2927722" cy="228600"/>
-          </a:xfrm>
-        </p:spPr>
-        <p:txBody>
-          <a:bodyPr/>
-          <a:lstStyle>
-            <a:lvl1pPr>
-              <a:defRPr lang="en-US" dirty="0">
-                <a:solidFill>
-                  <a:srgbClr val="FFFFFF"/>
-                </a:solidFill>
-              </a:defRPr>
-            </a:lvl1pPr>
-            <a:extLst/>
-          </a:lstStyle>
-          <a:p>
-            <a:endParaRPr lang="en-US"/>
-          </a:p>
-        </p:txBody>
-      </p:sp>
-      <p:sp>
-        <p:nvSpPr>
-          <p:cNvPr id="29" name="Slide Number Placeholder 28"/>
-          <p:cNvSpPr>
-            <a:spLocks noGrp="1"/>
-          </p:cNvSpPr>
-          <p:nvPr>
-            <p:ph type="sldNum" sz="quarter" idx="12"/>
-          </p:nvPr>
-        </p:nvSpPr>
-        <p:spPr>
-          <a:xfrm>
-            <a:off x="7880884" y="6556248"/>
-            <a:ext cx="588336" cy="228600"/>
-          </a:xfrm>
-        </p:spPr>
-        <p:txBody>
-          <a:bodyPr/>
-          <a:lstStyle>
-            <a:lvl1pPr>
-              <a:defRPr lang="en-US" smtClean="0">
-                <a:solidFill>
-                  <a:srgbClr val="FFFFFF"/>
-                </a:solidFill>
-              </a:defRPr>
-            </a:lvl1pPr>
-            <a:extLst/>
-          </a:lstStyle>
-          <a:p>
-            <a:fld id="{6142D011-5628-41B5-8BA8-40A6163AD5EA}" type="slidenum">
-              <a:rPr lang="en-US" smtClean="0"/>
-              <a:pPr/>
-              <a:t>‹#›</a:t>
-            </a:fld>
-            <a:endParaRPr lang="en-US"/>
           </a:p>
         </p:txBody>
       </p:sp>
     </p:spTree>
   </p:cSld>
   <p:clrMapOvr>
-    <a:overrideClrMapping bg1="lt1" tx1="dk1" bg2="lt2" tx2="dk2" accent1="accent1" accent2="accent2" accent3="accent3" accent4="accent4" accent5="accent5" accent6="accent6" hlink="hlink" folHlink="folHlink"/>
+    <a:masterClrMapping/>
   </p:clrMapOvr>
 </p:sldLayout>
 </file>
@@ -499,9 +373,7 @@
         <p:spPr/>
         <p:txBody>
           <a:bodyPr/>
-          <a:lstStyle>
-            <a:extLst/>
-          </a:lstStyle>
+          <a:lstStyle/>
           <a:p>
             <a:r>
               <a:rPr kumimoji="0" lang="en-US" smtClean="0"/>
@@ -524,9 +396,7 @@
         <p:spPr/>
         <p:txBody>
           <a:bodyPr vert="eaVert"/>
-          <a:lstStyle>
-            <a:extLst/>
-          </a:lstStyle>
+          <a:lstStyle/>
           <a:p>
             <a:pPr lvl="0" eaLnBrk="1" latinLnBrk="0" hangingPunct="1"/>
             <a:r>
@@ -578,14 +448,12 @@
         <p:spPr/>
         <p:txBody>
           <a:bodyPr/>
-          <a:lstStyle>
-            <a:extLst/>
-          </a:lstStyle>
+          <a:lstStyle/>
           <a:p>
             <a:fld id="{CAB7453E-51ED-4977-9F68-E764D7ECA517}" type="datetimeFigureOut">
               <a:rPr lang="en-US" smtClean="0"/>
               <a:pPr/>
-              <a:t>8/24/2022</a:t>
+              <a:t>8/25/2022</a:t>
             </a:fld>
             <a:endParaRPr lang="en-US"/>
           </a:p>
@@ -604,9 +472,7 @@
         <p:spPr/>
         <p:txBody>
           <a:bodyPr/>
-          <a:lstStyle>
-            <a:extLst/>
-          </a:lstStyle>
+          <a:lstStyle/>
           <a:p>
             <a:endParaRPr lang="en-US"/>
           </a:p>
@@ -625,9 +491,7 @@
         <p:spPr/>
         <p:txBody>
           <a:bodyPr/>
-          <a:lstStyle>
-            <a:extLst/>
-          </a:lstStyle>
+          <a:lstStyle/>
           <a:p>
             <a:fld id="{6142D011-5628-41B5-8BA8-40A6163AD5EA}" type="slidenum">
               <a:rPr lang="en-US" smtClean="0"/>
@@ -675,15 +539,13 @@
         </p:nvSpPr>
         <p:spPr>
           <a:xfrm>
-            <a:off x="6553200" y="274955"/>
-            <a:ext cx="1524000" cy="5851525"/>
+            <a:off x="6629400" y="274638"/>
+            <a:ext cx="2057400" cy="5851525"/>
           </a:xfrm>
         </p:spPr>
         <p:txBody>
-          <a:bodyPr vert="eaVert" anchor="t"/>
-          <a:lstStyle>
-            <a:extLst/>
-          </a:lstStyle>
+          <a:bodyPr vert="eaVert"/>
+          <a:lstStyle/>
           <a:p>
             <a:r>
               <a:rPr kumimoji="0" lang="en-US" smtClean="0"/>
@@ -705,15 +567,13 @@
         </p:nvSpPr>
         <p:spPr>
           <a:xfrm>
-            <a:off x="457200" y="274642"/>
+            <a:off x="457200" y="274638"/>
             <a:ext cx="6019800" cy="5851525"/>
           </a:xfrm>
         </p:spPr>
         <p:txBody>
           <a:bodyPr vert="eaVert"/>
-          <a:lstStyle>
-            <a:extLst/>
-          </a:lstStyle>
+          <a:lstStyle/>
           <a:p>
             <a:pPr lvl="0" eaLnBrk="1" latinLnBrk="0" hangingPunct="1"/>
             <a:r>
@@ -762,22 +622,15 @@
             <p:ph type="dt" sz="half" idx="10"/>
           </p:nvPr>
         </p:nvSpPr>
-        <p:spPr>
-          <a:xfrm>
-            <a:off x="4242816" y="6557946"/>
-            <a:ext cx="2002464" cy="226902"/>
-          </a:xfrm>
-        </p:spPr>
-        <p:txBody>
-          <a:bodyPr/>
-          <a:lstStyle>
-            <a:extLst/>
-          </a:lstStyle>
+        <p:spPr/>
+        <p:txBody>
+          <a:bodyPr/>
+          <a:lstStyle/>
           <a:p>
             <a:fld id="{CAB7453E-51ED-4977-9F68-E764D7ECA517}" type="datetimeFigureOut">
               <a:rPr lang="en-US" smtClean="0"/>
               <a:pPr/>
-              <a:t>8/24/2022</a:t>
+              <a:t>8/25/2022</a:t>
             </a:fld>
             <a:endParaRPr lang="en-US"/>
           </a:p>
@@ -793,17 +646,10 @@
             <p:ph type="ftr" sz="quarter" idx="11"/>
           </p:nvPr>
         </p:nvSpPr>
-        <p:spPr>
-          <a:xfrm>
-            <a:off x="457200" y="6556248"/>
-            <a:ext cx="3657600" cy="228600"/>
-          </a:xfrm>
-        </p:spPr>
-        <p:txBody>
-          <a:bodyPr/>
-          <a:lstStyle>
-            <a:extLst/>
-          </a:lstStyle>
+        <p:spPr/>
+        <p:txBody>
+          <a:bodyPr/>
+          <a:lstStyle/>
           <a:p>
             <a:endParaRPr lang="en-US"/>
           </a:p>
@@ -819,24 +665,10 @@
             <p:ph type="sldNum" sz="quarter" idx="12"/>
           </p:nvPr>
         </p:nvSpPr>
-        <p:spPr>
-          <a:xfrm>
-            <a:off x="6254496" y="6553200"/>
-            <a:ext cx="588336" cy="228600"/>
-          </a:xfrm>
-        </p:spPr>
-        <p:txBody>
-          <a:bodyPr/>
-          <a:lstStyle>
-            <a:lvl1pPr>
-              <a:defRPr>
-                <a:solidFill>
-                  <a:schemeClr val="tx2"/>
-                </a:solidFill>
-              </a:defRPr>
-            </a:lvl1pPr>
-            <a:extLst/>
-          </a:lstStyle>
+        <p:spPr/>
+        <p:txBody>
+          <a:bodyPr/>
+          <a:lstStyle/>
           <a:p>
             <a:fld id="{6142D011-5628-41B5-8BA8-40A6163AD5EA}" type="slidenum">
               <a:rPr lang="en-US" smtClean="0"/>
@@ -885,9 +717,7 @@
         <p:spPr/>
         <p:txBody>
           <a:bodyPr/>
-          <a:lstStyle>
-            <a:extLst/>
-          </a:lstStyle>
+          <a:lstStyle/>
           <a:p>
             <a:r>
               <a:rPr kumimoji="0" lang="en-US" smtClean="0"/>
@@ -910,9 +740,7 @@
         <p:spPr/>
         <p:txBody>
           <a:bodyPr/>
-          <a:lstStyle>
-            <a:extLst/>
-          </a:lstStyle>
+          <a:lstStyle/>
           <a:p>
             <a:pPr lvl="0" eaLnBrk="1" latinLnBrk="0" hangingPunct="1"/>
             <a:r>
@@ -964,14 +792,12 @@
         <p:spPr/>
         <p:txBody>
           <a:bodyPr/>
-          <a:lstStyle>
-            <a:extLst/>
-          </a:lstStyle>
+          <a:lstStyle/>
           <a:p>
             <a:fld id="{CAB7453E-51ED-4977-9F68-E764D7ECA517}" type="datetimeFigureOut">
               <a:rPr lang="en-US" smtClean="0"/>
               <a:pPr/>
-              <a:t>8/24/2022</a:t>
+              <a:t>8/25/2022</a:t>
             </a:fld>
             <a:endParaRPr lang="en-US"/>
           </a:p>
@@ -990,9 +816,7 @@
         <p:spPr/>
         <p:txBody>
           <a:bodyPr/>
-          <a:lstStyle>
-            <a:extLst/>
-          </a:lstStyle>
+          <a:lstStyle/>
           <a:p>
             <a:endParaRPr lang="en-US"/>
           </a:p>
@@ -1011,9 +835,7 @@
         <p:spPr/>
         <p:txBody>
           <a:bodyPr/>
-          <a:lstStyle>
-            <a:extLst/>
-          </a:lstStyle>
+          <a:lstStyle/>
           <a:p>
             <a:fld id="{6142D011-5628-41B5-8BA8-40A6163AD5EA}" type="slidenum">
               <a:rPr lang="en-US" smtClean="0"/>
@@ -1036,8 +858,8 @@
 <p:sldLayout xmlns:a="http://schemas.openxmlformats.org/drawingml/2006/main" xmlns:r="http://schemas.openxmlformats.org/officeDocument/2006/relationships" xmlns:p="http://schemas.openxmlformats.org/presentationml/2006/main" type="secHead" preserve="1">
   <p:cSld name="Section Header">
     <p:bg>
-      <p:bgRef idx="1001">
-        <a:schemeClr val="bg1"/>
+      <p:bgRef idx="1003">
+        <a:schemeClr val="bg2"/>
       </p:bgRef>
     </p:bg>
     <p:spTree>
@@ -1066,18 +888,56 @@
         </p:nvSpPr>
         <p:spPr>
           <a:xfrm>
-            <a:off x="1066800" y="2821837"/>
-            <a:ext cx="6255488" cy="1362075"/>
+            <a:off x="1600200" y="609600"/>
+            <a:ext cx="7086600" cy="1828800"/>
           </a:xfrm>
         </p:spPr>
         <p:txBody>
-          <a:bodyPr tIns="0" anchor="t"/>
+          <a:bodyPr vert="horz" bIns="0" anchor="b">
+            <a:noAutofit/>
+            <a:scene3d>
+              <a:camera prst="orthographicFront"/>
+              <a:lightRig rig="soft" dir="t">
+                <a:rot lat="0" lon="0" rev="17220000"/>
+              </a:lightRig>
+            </a:scene3d>
+            <a:sp3d prstMaterial="softEdge">
+              <a:bevelT w="38100" h="38100"/>
+              <a:contourClr>
+                <a:schemeClr val="tx2">
+                  <a:shade val="50000"/>
+                </a:schemeClr>
+              </a:contourClr>
+            </a:sp3d>
+          </a:bodyPr>
           <a:lstStyle>
-            <a:lvl1pPr algn="r">
+            <a:lvl1pPr algn="l" rtl="0">
+              <a:spcBef>
+                <a:spcPct val="0"/>
+              </a:spcBef>
               <a:buNone/>
-              <a:defRPr sz="4200" b="1" cap="all"/>
+              <a:defRPr sz="4800" b="1" cap="none" baseline="0">
+                <a:ln w="6350">
+                  <a:noFill/>
+                </a:ln>
+                <a:solidFill>
+                  <a:schemeClr val="accent1">
+                    <a:tint val="90000"/>
+                    <a:satMod val="120000"/>
+                  </a:schemeClr>
+                </a:solidFill>
+                <a:effectLst>
+                  <a:outerShdw blurRad="114300" dist="101600" dir="2700000" algn="tl" rotWithShape="0">
+                    <a:srgbClr val="000000">
+                      <a:alpha val="40000"/>
+                    </a:srgbClr>
+                  </a:outerShdw>
+                </a:effectLst>
+                <a:latin typeface="+mj-lt"/>
+                <a:ea typeface="+mj-ea"/>
+                <a:cs typeface="+mj-cs"/>
+              </a:defRPr>
             </a:lvl1pPr>
-            <a:extLst/>
           </a:lstStyle>
           <a:p>
             <a:r>
@@ -1100,20 +960,19 @@
         </p:nvSpPr>
         <p:spPr>
           <a:xfrm>
-            <a:off x="1066800" y="1905000"/>
-            <a:ext cx="6255488" cy="743507"/>
+            <a:off x="1600200" y="2507786"/>
+            <a:ext cx="7086600" cy="1509712"/>
           </a:xfrm>
         </p:spPr>
         <p:txBody>
-          <a:bodyPr anchor="b"/>
+          <a:bodyPr anchor="t"/>
           <a:lstStyle>
-            <a:lvl1pPr marL="0" indent="0" algn="r">
+            <a:lvl1pPr marL="73152" indent="0" algn="l">
               <a:buNone/>
               <a:defRPr sz="2000">
                 <a:solidFill>
                   <a:schemeClr val="tx1"/>
                 </a:solidFill>
-                <a:effectLst/>
               </a:defRPr>
             </a:lvl1pPr>
             <a:lvl2pPr>
@@ -1156,7 +1015,6 @@
                 </a:solidFill>
               </a:defRPr>
             </a:lvl5pPr>
-            <a:extLst/>
           </a:lstStyle>
           <a:p>
             <a:pPr lvl="0" eaLnBrk="1" latinLnBrk="0" hangingPunct="1"/>
@@ -1177,88 +1035,58 @@
             <p:ph type="dt" sz="half" idx="10"/>
           </p:nvPr>
         </p:nvSpPr>
+        <p:spPr/>
+        <p:txBody>
+          <a:bodyPr/>
+          <a:lstStyle/>
+          <a:p>
+            <a:fld id="{CAB7453E-51ED-4977-9F68-E764D7ECA517}" type="datetimeFigureOut">
+              <a:rPr lang="en-US" smtClean="0"/>
+              <a:pPr/>
+              <a:t>8/25/2022</a:t>
+            </a:fld>
+            <a:endParaRPr lang="en-US"/>
+          </a:p>
+        </p:txBody>
+      </p:sp>
+      <p:sp>
+        <p:nvSpPr>
+          <p:cNvPr id="5" name="Footer Placeholder 4"/>
+          <p:cNvSpPr>
+            <a:spLocks noGrp="1"/>
+          </p:cNvSpPr>
+          <p:nvPr>
+            <p:ph type="ftr" sz="quarter" idx="11"/>
+          </p:nvPr>
+        </p:nvSpPr>
+        <p:spPr/>
+        <p:txBody>
+          <a:bodyPr/>
+          <a:lstStyle/>
+          <a:p>
+            <a:endParaRPr lang="en-US"/>
+          </a:p>
+        </p:txBody>
+      </p:sp>
+      <p:sp>
+        <p:nvSpPr>
+          <p:cNvPr id="6" name="Slide Number Placeholder 5"/>
+          <p:cNvSpPr>
+            <a:spLocks noGrp="1"/>
+          </p:cNvSpPr>
+          <p:nvPr>
+            <p:ph type="sldNum" sz="quarter" idx="12"/>
+          </p:nvPr>
+        </p:nvSpPr>
         <p:spPr>
           <a:xfrm>
-            <a:off x="4724238" y="6556810"/>
-            <a:ext cx="2002464" cy="226902"/>
+            <a:off x="7924800" y="6416675"/>
+            <a:ext cx="762000" cy="365125"/>
           </a:xfrm>
         </p:spPr>
         <p:txBody>
-          <a:bodyPr bIns="0" anchor="b"/>
-          <a:lstStyle>
-            <a:lvl1pPr>
-              <a:defRPr>
-                <a:solidFill>
-                  <a:schemeClr val="tx2"/>
-                </a:solidFill>
-              </a:defRPr>
-            </a:lvl1pPr>
-            <a:extLst/>
-          </a:lstStyle>
-          <a:p>
-            <a:fld id="{CAB7453E-51ED-4977-9F68-E764D7ECA517}" type="datetimeFigureOut">
-              <a:rPr lang="en-US" smtClean="0"/>
-              <a:pPr/>
-              <a:t>8/24/2022</a:t>
-            </a:fld>
-            <a:endParaRPr lang="en-US"/>
-          </a:p>
-        </p:txBody>
-      </p:sp>
-      <p:sp>
-        <p:nvSpPr>
-          <p:cNvPr id="5" name="Footer Placeholder 4"/>
-          <p:cNvSpPr>
-            <a:spLocks noGrp="1"/>
-          </p:cNvSpPr>
-          <p:nvPr>
-            <p:ph type="ftr" sz="quarter" idx="11"/>
-          </p:nvPr>
-        </p:nvSpPr>
-        <p:spPr>
-          <a:xfrm>
-            <a:off x="1735358" y="6556810"/>
-            <a:ext cx="2895600" cy="228600"/>
-          </a:xfrm>
-        </p:spPr>
-        <p:txBody>
-          <a:bodyPr bIns="0" anchor="b"/>
-          <a:lstStyle>
-            <a:lvl1pPr>
-              <a:defRPr>
-                <a:solidFill>
-                  <a:schemeClr val="tx2"/>
-                </a:solidFill>
-              </a:defRPr>
-            </a:lvl1pPr>
-            <a:extLst/>
-          </a:lstStyle>
-          <a:p>
-            <a:endParaRPr lang="en-US"/>
-          </a:p>
-        </p:txBody>
-      </p:sp>
-      <p:sp>
-        <p:nvSpPr>
-          <p:cNvPr id="6" name="Slide Number Placeholder 5"/>
-          <p:cNvSpPr>
-            <a:spLocks noGrp="1"/>
-          </p:cNvSpPr>
-          <p:nvPr>
-            <p:ph type="sldNum" sz="quarter" idx="12"/>
-          </p:nvPr>
-        </p:nvSpPr>
-        <p:spPr>
-          <a:xfrm>
-            <a:off x="6733952" y="6555112"/>
-            <a:ext cx="588336" cy="228600"/>
-          </a:xfrm>
-        </p:spPr>
-        <p:txBody>
-          <a:bodyPr/>
-          <a:lstStyle>
-            <a:extLst/>
-          </a:lstStyle>
+          <a:bodyPr/>
+          <a:lstStyle/>
           <a:p>
             <a:fld id="{6142D011-5628-41B5-8BA8-40A6163AD5EA}" type="slidenum">
               <a:rPr lang="en-US" smtClean="0"/>
@@ -1272,7 +1100,7 @@
     </p:spTree>
   </p:cSld>
   <p:clrMapOvr>
-    <a:overrideClrMapping bg1="lt1" tx1="dk1" bg2="lt2" tx2="dk2" accent1="accent1" accent2="accent2" accent3="accent3" accent4="accent4" accent5="accent5" accent6="accent6" hlink="hlink" folHlink="folHlink"/>
+    <a:overrideClrMapping bg1="dk1" tx1="lt1" bg2="dk2" tx2="lt2" accent1="accent1" accent2="accent2" accent3="accent3" accent4="accent4" accent5="accent5" accent6="accent6" hlink="hlink" folHlink="folHlink"/>
   </p:clrMapOvr>
 </p:sldLayout>
 </file>
@@ -1304,17 +1132,10 @@
             <p:ph type="title"/>
           </p:nvPr>
         </p:nvSpPr>
-        <p:spPr>
-          <a:xfrm>
-            <a:off x="457200" y="320040"/>
-            <a:ext cx="7242048" cy="1143000"/>
-          </a:xfrm>
-        </p:spPr>
-        <p:txBody>
-          <a:bodyPr/>
-          <a:lstStyle>
-            <a:extLst/>
-          </a:lstStyle>
+        <p:spPr/>
+        <p:txBody>
+          <a:bodyPr/>
+          <a:lstStyle/>
           <a:p>
             <a:r>
               <a:rPr kumimoji="0" lang="en-US" smtClean="0"/>
@@ -1337,14 +1158,14 @@
         <p:spPr>
           <a:xfrm>
             <a:off x="457200" y="1600200"/>
-            <a:ext cx="3520440" cy="4525963"/>
+            <a:ext cx="4038600" cy="4525963"/>
           </a:xfrm>
         </p:spPr>
         <p:txBody>
-          <a:bodyPr anchor="t"/>
+          <a:bodyPr/>
           <a:lstStyle>
             <a:lvl1pPr>
-              <a:defRPr sz="2800"/>
+              <a:defRPr sz="2600"/>
             </a:lvl1pPr>
             <a:lvl2pPr>
               <a:defRPr sz="2400"/>
@@ -1358,7 +1179,6 @@
             <a:lvl5pPr>
               <a:defRPr sz="1800"/>
             </a:lvl5pPr>
-            <a:extLst/>
           </a:lstStyle>
           <a:p>
             <a:pPr lvl="0" eaLnBrk="1" latinLnBrk="0" hangingPunct="1"/>
@@ -1410,15 +1230,15 @@
         </p:nvSpPr>
         <p:spPr>
           <a:xfrm>
-            <a:off x="4178808" y="1600200"/>
-            <a:ext cx="3520440" cy="4525963"/>
+            <a:off x="4648200" y="1600200"/>
+            <a:ext cx="4038600" cy="4525963"/>
           </a:xfrm>
         </p:spPr>
         <p:txBody>
-          <a:bodyPr anchor="t"/>
+          <a:bodyPr/>
           <a:lstStyle>
             <a:lvl1pPr>
-              <a:defRPr sz="2800"/>
+              <a:defRPr sz="2600"/>
             </a:lvl1pPr>
             <a:lvl2pPr>
               <a:defRPr sz="2400"/>
@@ -1432,7 +1252,6 @@
             <a:lvl5pPr>
               <a:defRPr sz="1800"/>
             </a:lvl5pPr>
-            <a:extLst/>
           </a:lstStyle>
           <a:p>
             <a:pPr lvl="0" eaLnBrk="1" latinLnBrk="0" hangingPunct="1"/>
@@ -1485,14 +1304,12 @@
         <p:spPr/>
         <p:txBody>
           <a:bodyPr/>
-          <a:lstStyle>
-            <a:extLst/>
-          </a:lstStyle>
+          <a:lstStyle/>
           <a:p>
             <a:fld id="{CAB7453E-51ED-4977-9F68-E764D7ECA517}" type="datetimeFigureOut">
               <a:rPr lang="en-US" smtClean="0"/>
               <a:pPr/>
-              <a:t>8/24/2022</a:t>
+              <a:t>8/25/2022</a:t>
             </a:fld>
             <a:endParaRPr lang="en-US"/>
           </a:p>
@@ -1511,9 +1328,7 @@
         <p:spPr/>
         <p:txBody>
           <a:bodyPr/>
-          <a:lstStyle>
-            <a:extLst/>
-          </a:lstStyle>
+          <a:lstStyle/>
           <a:p>
             <a:endParaRPr lang="en-US"/>
           </a:p>
@@ -1532,9 +1347,7 @@
         <p:spPr/>
         <p:txBody>
           <a:bodyPr/>
-          <a:lstStyle>
-            <a:extLst/>
-          </a:lstStyle>
+          <a:lstStyle/>
           <a:p>
             <a:fld id="{6142D011-5628-41B5-8BA8-40A6163AD5EA}" type="slidenum">
               <a:rPr lang="en-US" smtClean="0"/>
@@ -1582,17 +1395,16 @@
         </p:nvSpPr>
         <p:spPr>
           <a:xfrm>
-            <a:off x="457200" y="320040"/>
-            <a:ext cx="7242048" cy="1143000"/>
+            <a:off x="457200" y="273050"/>
+            <a:ext cx="8229600" cy="1143000"/>
           </a:xfrm>
         </p:spPr>
         <p:txBody>
-          <a:bodyPr anchor="b"/>
+          <a:bodyPr anchor="ctr"/>
           <a:lstStyle>
             <a:lvl1pPr>
               <a:defRPr/>
             </a:lvl1pPr>
-            <a:extLst/>
           </a:lstStyle>
           <a:p>
             <a:r>
@@ -1615,42 +1427,19 @@
         </p:nvSpPr>
         <p:spPr>
           <a:xfrm>
-            <a:off x="457200" y="5867400"/>
-            <a:ext cx="3520440" cy="457200"/>
+            <a:off x="457200" y="1535112"/>
+            <a:ext cx="4040188" cy="750887"/>
           </a:xfrm>
-          <a:noFill/>
-          <a:ln w="12700" cap="flat" cmpd="sng" algn="ctr">
-            <a:solidFill>
-              <a:schemeClr val="tx2"/>
-            </a:solidFill>
-            <a:prstDash val="solid"/>
-          </a:ln>
-          <a:effectLst/>
         </p:spPr>
-        <p:style>
-          <a:lnRef idx="1">
-            <a:schemeClr val="accent1"/>
-          </a:lnRef>
-          <a:fillRef idx="3">
-            <a:schemeClr val="accent1"/>
-          </a:fillRef>
-          <a:effectRef idx="2">
-            <a:schemeClr val="accent1"/>
-          </a:effectRef>
-          <a:fontRef idx="minor">
-            <a:schemeClr val="lt1"/>
-          </a:fontRef>
-        </p:style>
         <p:txBody>
           <a:bodyPr anchor="ctr"/>
           <a:lstStyle>
-            <a:lvl1pPr marL="0" indent="0" algn="ctr">
+            <a:lvl1pPr marL="0" indent="0">
               <a:buNone/>
-              <a:defRPr sz="1800" b="1">
+              <a:defRPr sz="2400" b="0" cap="all" baseline="0">
                 <a:solidFill>
-                  <a:schemeClr val="tx2"/>
+                  <a:schemeClr val="tx1"/>
                 </a:solidFill>
-                <a:effectLst/>
               </a:defRPr>
             </a:lvl1pPr>
             <a:lvl2pPr>
@@ -1669,7 +1458,6 @@
               <a:buNone/>
               <a:defRPr sz="1600" b="1"/>
             </a:lvl5pPr>
-            <a:extLst/>
           </a:lstStyle>
           <a:p>
             <a:pPr lvl="0" eaLnBrk="1" latinLnBrk="0" hangingPunct="1"/>
@@ -1692,42 +1480,19 @@
         </p:nvSpPr>
         <p:spPr>
           <a:xfrm>
-            <a:off x="4178808" y="5867400"/>
-            <a:ext cx="3520440" cy="457200"/>
+            <a:off x="4645025" y="1535112"/>
+            <a:ext cx="4041775" cy="750887"/>
           </a:xfrm>
-          <a:noFill/>
-          <a:ln w="12700" cap="flat" cmpd="sng" algn="ctr">
-            <a:solidFill>
-              <a:schemeClr val="tx2"/>
-            </a:solidFill>
-            <a:prstDash val="solid"/>
-          </a:ln>
-          <a:effectLst/>
         </p:spPr>
-        <p:style>
-          <a:lnRef idx="1">
-            <a:schemeClr val="accent2"/>
-          </a:lnRef>
-          <a:fillRef idx="3">
-            <a:schemeClr val="accent2"/>
-          </a:fillRef>
-          <a:effectRef idx="2">
-            <a:schemeClr val="accent2"/>
-          </a:effectRef>
-          <a:fontRef idx="minor">
-            <a:schemeClr val="lt1"/>
-          </a:fontRef>
-        </p:style>
         <p:txBody>
           <a:bodyPr anchor="ctr"/>
           <a:lstStyle>
-            <a:lvl1pPr marL="0" indent="0" algn="ctr">
+            <a:lvl1pPr marL="0" indent="0">
               <a:buNone/>
-              <a:defRPr sz="1800" b="1">
+              <a:defRPr sz="2400" b="0" cap="all" baseline="0">
                 <a:solidFill>
-                  <a:schemeClr val="tx2"/>
+                  <a:schemeClr val="tx1"/>
                 </a:solidFill>
-                <a:effectLst/>
               </a:defRPr>
             </a:lvl1pPr>
             <a:lvl2pPr>
@@ -1746,7 +1511,6 @@
               <a:buNone/>
               <a:defRPr sz="1600" b="1"/>
             </a:lvl5pPr>
-            <a:extLst/>
           </a:lstStyle>
           <a:p>
             <a:pPr lvl="0" eaLnBrk="1" latinLnBrk="0" hangingPunct="1"/>
@@ -1769,8 +1533,8 @@
         </p:nvSpPr>
         <p:spPr>
           <a:xfrm>
-            <a:off x="457200" y="1711840"/>
-            <a:ext cx="3520440" cy="4114800"/>
+            <a:off x="457200" y="2362200"/>
+            <a:ext cx="4040188" cy="3763963"/>
           </a:xfrm>
         </p:spPr>
         <p:txBody>
@@ -1791,7 +1555,6 @@
             <a:lvl5pPr>
               <a:defRPr sz="1600"/>
             </a:lvl5pPr>
-            <a:extLst/>
           </a:lstStyle>
           <a:p>
             <a:pPr lvl="0" eaLnBrk="1" latinLnBrk="0" hangingPunct="1"/>
@@ -1843,8 +1606,8 @@
         </p:nvSpPr>
         <p:spPr>
           <a:xfrm>
-            <a:off x="4178808" y="1711840"/>
-            <a:ext cx="3520440" cy="4114800"/>
+            <a:off x="4645025" y="2362200"/>
+            <a:ext cx="4041775" cy="3763963"/>
           </a:xfrm>
         </p:spPr>
         <p:txBody>
@@ -1865,7 +1628,6 @@
             <a:lvl5pPr>
               <a:defRPr sz="1600"/>
             </a:lvl5pPr>
-            <a:extLst/>
           </a:lstStyle>
           <a:p>
             <a:pPr lvl="0" eaLnBrk="1" latinLnBrk="0" hangingPunct="1"/>
@@ -1918,14 +1680,12 @@
         <p:spPr/>
         <p:txBody>
           <a:bodyPr/>
-          <a:lstStyle>
-            <a:extLst/>
-          </a:lstStyle>
+          <a:lstStyle/>
           <a:p>
             <a:fld id="{CAB7453E-51ED-4977-9F68-E764D7ECA517}" type="datetimeFigureOut">
               <a:rPr lang="en-US" smtClean="0"/>
               <a:pPr/>
-              <a:t>8/24/2022</a:t>
+              <a:t>8/25/2022</a:t>
             </a:fld>
             <a:endParaRPr lang="en-US"/>
           </a:p>
@@ -1944,9 +1704,7 @@
         <p:spPr/>
         <p:txBody>
           <a:bodyPr/>
-          <a:lstStyle>
-            <a:extLst/>
-          </a:lstStyle>
+          <a:lstStyle/>
           <a:p>
             <a:endParaRPr lang="en-US"/>
           </a:p>
@@ -1965,9 +1723,7 @@
         <p:spPr/>
         <p:txBody>
           <a:bodyPr/>
-          <a:lstStyle>
-            <a:extLst/>
-          </a:lstStyle>
+          <a:lstStyle/>
           <a:p>
             <a:fld id="{6142D011-5628-41B5-8BA8-40A6163AD5EA}" type="slidenum">
               <a:rPr lang="en-US" smtClean="0"/>
@@ -2013,17 +1769,10 @@
             <p:ph type="title"/>
           </p:nvPr>
         </p:nvSpPr>
-        <p:spPr>
-          <a:xfrm>
-            <a:off x="457200" y="320040"/>
-            <a:ext cx="7242048" cy="1143000"/>
-          </a:xfrm>
-        </p:spPr>
-        <p:txBody>
-          <a:bodyPr/>
-          <a:lstStyle>
-            <a:extLst/>
-          </a:lstStyle>
+        <p:spPr/>
+        <p:txBody>
+          <a:bodyPr/>
+          <a:lstStyle/>
           <a:p>
             <a:r>
               <a:rPr kumimoji="0" lang="en-US" smtClean="0"/>
@@ -2046,14 +1795,12 @@
         <p:spPr/>
         <p:txBody>
           <a:bodyPr/>
-          <a:lstStyle>
-            <a:extLst/>
-          </a:lstStyle>
+          <a:lstStyle/>
           <a:p>
             <a:fld id="{CAB7453E-51ED-4977-9F68-E764D7ECA517}" type="datetimeFigureOut">
               <a:rPr lang="en-US" smtClean="0"/>
               <a:pPr/>
-              <a:t>8/24/2022</a:t>
+              <a:t>8/25/2022</a:t>
             </a:fld>
             <a:endParaRPr lang="en-US"/>
           </a:p>
@@ -2072,9 +1819,7 @@
         <p:spPr/>
         <p:txBody>
           <a:bodyPr/>
-          <a:lstStyle>
-            <a:extLst/>
-          </a:lstStyle>
+          <a:lstStyle/>
           <a:p>
             <a:endParaRPr lang="en-US"/>
           </a:p>
@@ -2093,9 +1838,7 @@
         <p:spPr/>
         <p:txBody>
           <a:bodyPr/>
-          <a:lstStyle>
-            <a:extLst/>
-          </a:lstStyle>
+          <a:lstStyle/>
           <a:p>
             <a:fld id="{6142D011-5628-41B5-8BA8-40A6163AD5EA}" type="slidenum">
               <a:rPr lang="en-US" smtClean="0"/>
@@ -2144,21 +1887,12 @@
         <p:spPr/>
         <p:txBody>
           <a:bodyPr/>
-          <a:lstStyle>
-            <a:lvl1pPr>
-              <a:defRPr>
-                <a:solidFill>
-                  <a:schemeClr val="tx2"/>
-                </a:solidFill>
-              </a:defRPr>
-            </a:lvl1pPr>
-            <a:extLst/>
-          </a:lstStyle>
+          <a:lstStyle/>
           <a:p>
             <a:fld id="{CAB7453E-51ED-4977-9F68-E764D7ECA517}" type="datetimeFigureOut">
               <a:rPr lang="en-US" smtClean="0"/>
               <a:pPr/>
-              <a:t>8/24/2022</a:t>
+              <a:t>8/25/2022</a:t>
             </a:fld>
             <a:endParaRPr lang="en-US"/>
           </a:p>
@@ -2177,16 +1911,7 @@
         <p:spPr/>
         <p:txBody>
           <a:bodyPr/>
-          <a:lstStyle>
-            <a:lvl1pPr>
-              <a:defRPr>
-                <a:solidFill>
-                  <a:schemeClr val="tx2"/>
-                </a:solidFill>
-              </a:defRPr>
-            </a:lvl1pPr>
-            <a:extLst/>
-          </a:lstStyle>
+          <a:lstStyle/>
           <a:p>
             <a:endParaRPr lang="en-US"/>
           </a:p>
@@ -2205,9 +1930,7 @@
         <p:spPr/>
         <p:txBody>
           <a:bodyPr/>
-          <a:lstStyle>
-            <a:extLst/>
-          </a:lstStyle>
+          <a:lstStyle/>
           <a:p>
             <a:fld id="{6142D011-5628-41B5-8BA8-40A6163AD5EA}" type="slidenum">
               <a:rPr lang="en-US" smtClean="0"/>
@@ -2255,18 +1978,30 @@
         </p:nvSpPr>
         <p:spPr>
           <a:xfrm>
-            <a:off x="457200" y="228600"/>
-            <a:ext cx="5897880" cy="1173480"/>
+            <a:off x="457200" y="273050"/>
+            <a:ext cx="3008313" cy="1162050"/>
           </a:xfrm>
         </p:spPr>
         <p:txBody>
-          <a:bodyPr wrap="square" anchor="b"/>
+          <a:bodyPr vert="horz" anchor="b">
+            <a:normAutofit/>
+            <a:sp3d prstMaterial="softEdge"/>
+          </a:bodyPr>
           <a:lstStyle>
             <a:lvl1pPr algn="l">
               <a:buNone/>
-              <a:defRPr lang="en-US" sz="2400" baseline="0" smtClean="0"/>
+              <a:defRPr sz="2200" b="0">
+                <a:ln w="6350">
+                  <a:noFill/>
+                </a:ln>
+                <a:solidFill>
+                  <a:schemeClr val="accent1">
+                    <a:tint val="73000"/>
+                    <a:satMod val="180000"/>
+                  </a:schemeClr>
+                </a:solidFill>
+              </a:defRPr>
             </a:lvl1pPr>
-            <a:extLst/>
           </a:lstStyle>
           <a:p>
             <a:r>
@@ -2289,22 +2024,14 @@
         </p:nvSpPr>
         <p:spPr>
           <a:xfrm>
-            <a:off x="457200" y="1497416"/>
-            <a:ext cx="5897880" cy="602512"/>
+            <a:off x="457200" y="1524000"/>
+            <a:ext cx="3008313" cy="4602163"/>
           </a:xfrm>
         </p:spPr>
         <p:txBody>
-          <a:bodyPr rot="0" spcFirstLastPara="0" vertOverflow="overflow" horzOverflow="overflow" vert="horz" wrap="square" lIns="45720" tIns="0" rIns="0" bIns="0" numCol="1" spcCol="0" rtlCol="0" fromWordArt="0" anchor="t" anchorCtr="0" forceAA="0" compatLnSpc="1">
-            <a:normAutofit/>
-          </a:bodyPr>
+          <a:bodyPr/>
           <a:lstStyle>
             <a:lvl1pPr marL="0" indent="0">
-              <a:spcBef>
-                <a:spcPts val="0"/>
-              </a:spcBef>
-              <a:spcAft>
-                <a:spcPts val="0"/>
-              </a:spcAft>
               <a:buNone/>
               <a:defRPr sz="1400"/>
             </a:lvl1pPr>
@@ -2324,7 +2051,6 @@
               <a:buNone/>
               <a:defRPr sz="900"/>
             </a:lvl5pPr>
-            <a:extLst/>
           </a:lstStyle>
           <a:p>
             <a:pPr lvl="0" eaLnBrk="1" latinLnBrk="0" hangingPunct="1"/>
@@ -2347,29 +2073,28 @@
         </p:nvSpPr>
         <p:spPr>
           <a:xfrm>
-            <a:off x="457200" y="2133600"/>
-            <a:ext cx="7239000" cy="4371752"/>
+            <a:off x="3575050" y="273050"/>
+            <a:ext cx="5111750" cy="5853113"/>
           </a:xfrm>
         </p:spPr>
         <p:txBody>
           <a:bodyPr/>
           <a:lstStyle>
             <a:lvl1pPr>
-              <a:defRPr sz="3200"/>
+              <a:defRPr sz="2600"/>
             </a:lvl1pPr>
             <a:lvl2pPr>
-              <a:defRPr sz="2800"/>
+              <a:defRPr sz="2400"/>
             </a:lvl2pPr>
             <a:lvl3pPr>
-              <a:defRPr sz="2400"/>
+              <a:defRPr sz="2200"/>
             </a:lvl3pPr>
             <a:lvl4pPr>
               <a:defRPr sz="2000"/>
             </a:lvl4pPr>
             <a:lvl5pPr>
-              <a:defRPr sz="2000"/>
+              <a:defRPr sz="1800"/>
             </a:lvl5pPr>
-            <a:extLst/>
           </a:lstStyle>
           <a:p>
             <a:pPr lvl="0" eaLnBrk="1" latinLnBrk="0" hangingPunct="1"/>
@@ -2422,14 +2147,12 @@
         <p:spPr/>
         <p:txBody>
           <a:bodyPr/>
-          <a:lstStyle>
-            <a:extLst/>
-          </a:lstStyle>
+          <a:lstStyle/>
           <a:p>
             <a:fld id="{CAB7453E-51ED-4977-9F68-E764D7ECA517}" type="datetimeFigureOut">
               <a:rPr lang="en-US" smtClean="0"/>
               <a:pPr/>
-              <a:t>8/24/2022</a:t>
+              <a:t>8/25/2022</a:t>
             </a:fld>
             <a:endParaRPr lang="en-US"/>
           </a:p>
@@ -2448,9 +2171,7 @@
         <p:spPr/>
         <p:txBody>
           <a:bodyPr/>
-          <a:lstStyle>
-            <a:extLst/>
-          </a:lstStyle>
+          <a:lstStyle/>
           <a:p>
             <a:endParaRPr lang="en-US"/>
           </a:p>
@@ -2469,9 +2190,7 @@
         <p:spPr/>
         <p:txBody>
           <a:bodyPr/>
-          <a:lstStyle>
-            <a:extLst/>
-          </a:lstStyle>
+          <a:lstStyle/>
           <a:p>
             <a:fld id="{6142D011-5628-41B5-8BA8-40A6163AD5EA}" type="slidenum">
               <a:rPr lang="en-US" smtClean="0"/>
@@ -2491,10 +2210,276 @@
 </file>
 
 <file path=ppt/slideLayouts/slideLayout9.xml><?xml version="1.0" encoding="utf-8"?>
-<p:sldLayout xmlns:a="http://schemas.openxmlformats.org/drawingml/2006/main" xmlns:r="http://schemas.openxmlformats.org/officeDocument/2006/relationships" xmlns:p="http://schemas.openxmlformats.org/presentationml/2006/main" showMasterSp="0" type="picTx" preserve="1">
+<p:sldLayout xmlns:a="http://schemas.openxmlformats.org/drawingml/2006/main" xmlns:r="http://schemas.openxmlformats.org/officeDocument/2006/relationships" xmlns:p="http://schemas.openxmlformats.org/presentationml/2006/main" type="picTx" preserve="1">
   <p:cSld name="Picture with Caption">
+    <p:spTree>
+      <p:nvGrpSpPr>
+        <p:cNvPr id="1" name=""/>
+        <p:cNvGrpSpPr/>
+        <p:nvPr/>
+      </p:nvGrpSpPr>
+      <p:grpSpPr>
+        <a:xfrm>
+          <a:off x="0" y="0"/>
+          <a:ext cx="0" cy="0"/>
+          <a:chOff x="0" y="0"/>
+          <a:chExt cx="0" cy="0"/>
+        </a:xfrm>
+      </p:grpSpPr>
+      <p:sp>
+        <p:nvSpPr>
+          <p:cNvPr id="2" name="Title 1"/>
+          <p:cNvSpPr>
+            <a:spLocks noGrp="1"/>
+          </p:cNvSpPr>
+          <p:nvPr>
+            <p:ph type="title"/>
+          </p:nvPr>
+        </p:nvSpPr>
+        <p:spPr>
+          <a:xfrm>
+            <a:off x="1828800" y="609600"/>
+            <a:ext cx="5486400" cy="522288"/>
+          </a:xfrm>
+        </p:spPr>
+        <p:txBody>
+          <a:bodyPr lIns="45720" rIns="45720" bIns="0" anchor="b">
+            <a:sp3d prstMaterial="softEdge"/>
+          </a:bodyPr>
+          <a:lstStyle>
+            <a:lvl1pPr algn="ctr">
+              <a:buNone/>
+              <a:defRPr sz="2000" b="1"/>
+            </a:lvl1pPr>
+          </a:lstStyle>
+          <a:p>
+            <a:r>
+              <a:rPr kumimoji="0" lang="en-US" smtClean="0"/>
+              <a:t>Click to edit Master title style</a:t>
+            </a:r>
+            <a:endParaRPr kumimoji="0" lang="en-US"/>
+          </a:p>
+        </p:txBody>
+      </p:sp>
+      <p:sp>
+        <p:nvSpPr>
+          <p:cNvPr id="3" name="Picture Placeholder 2"/>
+          <p:cNvSpPr>
+            <a:spLocks noGrp="1"/>
+          </p:cNvSpPr>
+          <p:nvPr>
+            <p:ph type="pic" idx="1"/>
+          </p:nvPr>
+        </p:nvSpPr>
+        <p:spPr>
+          <a:xfrm>
+            <a:off x="1828800" y="1831975"/>
+            <a:ext cx="5486400" cy="3962400"/>
+          </a:xfrm>
+          <a:solidFill>
+            <a:schemeClr val="bg2"/>
+          </a:solidFill>
+          <a:ln w="44450" cap="sq" cmpd="sng" algn="ctr">
+            <a:solidFill>
+              <a:srgbClr val="FFFFFF"/>
+            </a:solidFill>
+            <a:prstDash val="solid"/>
+            <a:miter lim="800000"/>
+          </a:ln>
+          <a:effectLst>
+            <a:outerShdw blurRad="190500" dist="228600" dir="2700000" sy="90000">
+              <a:srgbClr val="000000">
+                <a:alpha val="25000"/>
+              </a:srgbClr>
+            </a:outerShdw>
+          </a:effectLst>
+          <a:scene3d>
+            <a:camera prst="orthographicFront">
+              <a:rot lat="0" lon="0" rev="0"/>
+            </a:camera>
+            <a:lightRig rig="balanced" dir="tr">
+              <a:rot lat="0" lon="0" rev="2700000"/>
+            </a:lightRig>
+          </a:scene3d>
+          <a:sp3d prstMaterial="matte">
+            <a:contourClr>
+              <a:schemeClr val="tx2">
+                <a:shade val="50000"/>
+              </a:schemeClr>
+            </a:contourClr>
+          </a:sp3d>
+        </p:spPr>
+        <p:style>
+          <a:lnRef idx="3">
+            <a:schemeClr val="lt1"/>
+          </a:lnRef>
+          <a:fillRef idx="1">
+            <a:schemeClr val="accent1"/>
+          </a:fillRef>
+          <a:effectRef idx="1">
+            <a:schemeClr val="accent1"/>
+          </a:effectRef>
+          <a:fontRef idx="minor">
+            <a:schemeClr val="lt1"/>
+          </a:fontRef>
+        </p:style>
+        <p:txBody>
+          <a:bodyPr anchor="t"/>
+          <a:lstStyle>
+            <a:lvl1pPr indent="0">
+              <a:buNone/>
+              <a:defRPr sz="3200"/>
+            </a:lvl1pPr>
+          </a:lstStyle>
+          <a:p>
+            <a:pPr marL="0" algn="l" rtl="0" eaLnBrk="1" latinLnBrk="0" hangingPunct="1"/>
+            <a:r>
+              <a:rPr kumimoji="0" lang="en-US" smtClean="0">
+                <a:solidFill>
+                  <a:schemeClr val="lt1"/>
+                </a:solidFill>
+                <a:latin typeface="+mn-lt"/>
+                <a:ea typeface="+mn-ea"/>
+                <a:cs typeface="+mn-cs"/>
+              </a:rPr>
+              <a:t>Click icon to add picture</a:t>
+            </a:r>
+            <a:endParaRPr kumimoji="0" lang="en-US" dirty="0">
+              <a:solidFill>
+                <a:schemeClr val="lt1"/>
+              </a:solidFill>
+              <a:latin typeface="+mn-lt"/>
+              <a:ea typeface="+mn-ea"/>
+              <a:cs typeface="+mn-cs"/>
+            </a:endParaRPr>
+          </a:p>
+        </p:txBody>
+      </p:sp>
+      <p:sp>
+        <p:nvSpPr>
+          <p:cNvPr id="4" name="Text Placeholder 3"/>
+          <p:cNvSpPr>
+            <a:spLocks noGrp="1"/>
+          </p:cNvSpPr>
+          <p:nvPr>
+            <p:ph type="body" sz="half" idx="2"/>
+          </p:nvPr>
+        </p:nvSpPr>
+        <p:spPr>
+          <a:xfrm>
+            <a:off x="1828800" y="1166787"/>
+            <a:ext cx="5486400" cy="530352"/>
+          </a:xfrm>
+        </p:spPr>
+        <p:txBody>
+          <a:bodyPr lIns="45720" tIns="45720" rIns="45720" anchor="t"/>
+          <a:lstStyle>
+            <a:lvl1pPr marL="0" indent="0" algn="ctr">
+              <a:buNone/>
+              <a:defRPr sz="1400"/>
+            </a:lvl1pPr>
+            <a:lvl2pPr>
+              <a:defRPr sz="1200"/>
+            </a:lvl2pPr>
+            <a:lvl3pPr>
+              <a:defRPr sz="1000"/>
+            </a:lvl3pPr>
+            <a:lvl4pPr>
+              <a:defRPr sz="900"/>
+            </a:lvl4pPr>
+            <a:lvl5pPr>
+              <a:defRPr sz="900"/>
+            </a:lvl5pPr>
+          </a:lstStyle>
+          <a:p>
+            <a:pPr lvl="0" eaLnBrk="1" latinLnBrk="0" hangingPunct="1"/>
+            <a:r>
+              <a:rPr kumimoji="0" lang="en-US" smtClean="0"/>
+              <a:t>Click to edit Master text styles</a:t>
+            </a:r>
+          </a:p>
+        </p:txBody>
+      </p:sp>
+      <p:sp>
+        <p:nvSpPr>
+          <p:cNvPr id="5" name="Date Placeholder 4"/>
+          <p:cNvSpPr>
+            <a:spLocks noGrp="1"/>
+          </p:cNvSpPr>
+          <p:nvPr>
+            <p:ph type="dt" sz="half" idx="10"/>
+          </p:nvPr>
+        </p:nvSpPr>
+        <p:spPr/>
+        <p:txBody>
+          <a:bodyPr/>
+          <a:lstStyle/>
+          <a:p>
+            <a:fld id="{CAB7453E-51ED-4977-9F68-E764D7ECA517}" type="datetimeFigureOut">
+              <a:rPr lang="en-US" smtClean="0"/>
+              <a:pPr/>
+              <a:t>8/25/2022</a:t>
+            </a:fld>
+            <a:endParaRPr lang="en-US"/>
+          </a:p>
+        </p:txBody>
+      </p:sp>
+      <p:sp>
+        <p:nvSpPr>
+          <p:cNvPr id="6" name="Footer Placeholder 5"/>
+          <p:cNvSpPr>
+            <a:spLocks noGrp="1"/>
+          </p:cNvSpPr>
+          <p:nvPr>
+            <p:ph type="ftr" sz="quarter" idx="11"/>
+          </p:nvPr>
+        </p:nvSpPr>
+        <p:spPr/>
+        <p:txBody>
+          <a:bodyPr/>
+          <a:lstStyle/>
+          <a:p>
+            <a:endParaRPr lang="en-US"/>
+          </a:p>
+        </p:txBody>
+      </p:sp>
+      <p:sp>
+        <p:nvSpPr>
+          <p:cNvPr id="7" name="Slide Number Placeholder 6"/>
+          <p:cNvSpPr>
+            <a:spLocks noGrp="1"/>
+          </p:cNvSpPr>
+          <p:nvPr>
+            <p:ph type="sldNum" sz="quarter" idx="12"/>
+          </p:nvPr>
+        </p:nvSpPr>
+        <p:spPr/>
+        <p:txBody>
+          <a:bodyPr/>
+          <a:lstStyle/>
+          <a:p>
+            <a:fld id="{6142D011-5628-41B5-8BA8-40A6163AD5EA}" type="slidenum">
+              <a:rPr lang="en-US" smtClean="0"/>
+              <a:pPr/>
+              <a:t>‹#›</a:t>
+            </a:fld>
+            <a:endParaRPr lang="en-US"/>
+          </a:p>
+        </p:txBody>
+      </p:sp>
+    </p:spTree>
+  </p:cSld>
+  <p:clrMapOvr>
+    <a:masterClrMapping/>
+  </p:clrMapOvr>
+</p:sldLayout>
+</file>
+
+<file path=ppt/slideMasters/slideMaster1.xml><?xml version="1.0" encoding="utf-8"?>
+<p:sldMaster xmlns:a="http://schemas.openxmlformats.org/drawingml/2006/main" xmlns:r="http://schemas.openxmlformats.org/officeDocument/2006/relationships" xmlns:p="http://schemas.openxmlformats.org/presentationml/2006/main">
+  <p:cSld>
     <p:bg>
-      <p:bgRef idx="1002">
+      <p:bgRef idx="1003">
         <a:schemeClr val="bg2"/>
       </p:bgRef>
     </p:bg>
@@ -2514,809 +2499,306 @@
       </p:grpSpPr>
       <p:sp>
         <p:nvSpPr>
-          <p:cNvPr id="8" name="Rectangle 7"/>
-          <p:cNvSpPr/>
-          <p:nvPr/>
+          <p:cNvPr id="22" name="Title Placeholder 21"/>
+          <p:cNvSpPr>
+            <a:spLocks noGrp="1"/>
+          </p:cNvSpPr>
+          <p:nvPr>
+            <p:ph type="title"/>
+          </p:nvPr>
         </p:nvSpPr>
         <p:spPr>
-          <a:xfrm rot="21240000">
-            <a:off x="597968" y="1004668"/>
-            <a:ext cx="4319527" cy="4312573"/>
+          <a:xfrm>
+            <a:off x="457200" y="274638"/>
+            <a:ext cx="8229600" cy="1143000"/>
           </a:xfrm>
           <a:prstGeom prst="rect">
             <a:avLst/>
           </a:prstGeom>
-          <a:solidFill>
-            <a:srgbClr val="FAFAFA"/>
-          </a:solidFill>
-          <a:ln w="1270" cap="rnd" cmpd="sng" algn="ctr">
-            <a:solidFill>
-              <a:srgbClr val="EAEAEA"/>
-            </a:solidFill>
-            <a:prstDash val="solid"/>
+        </p:spPr>
+        <p:txBody>
+          <a:bodyPr vert="horz" anchor="ctr">
+            <a:normAutofit/>
+            <a:scene3d>
+              <a:camera prst="orthographicFront"/>
+              <a:lightRig rig="soft" dir="t">
+                <a:rot lat="0" lon="0" rev="16800000"/>
+              </a:lightRig>
+            </a:scene3d>
+            <a:sp3d prstMaterial="softEdge">
+              <a:bevelT w="38100" h="38100"/>
+            </a:sp3d>
+          </a:bodyPr>
+          <a:lstStyle/>
+          <a:p>
+            <a:r>
+              <a:rPr kumimoji="0" lang="en-US" smtClean="0"/>
+              <a:t>Click to edit Master title style</a:t>
+            </a:r>
+            <a:endParaRPr kumimoji="0" lang="en-US"/>
+          </a:p>
+        </p:txBody>
+      </p:sp>
+      <p:sp>
+        <p:nvSpPr>
+          <p:cNvPr id="13" name="Text Placeholder 12"/>
+          <p:cNvSpPr>
+            <a:spLocks noGrp="1"/>
+          </p:cNvSpPr>
+          <p:nvPr>
+            <p:ph type="body" idx="1"/>
+          </p:nvPr>
+        </p:nvSpPr>
+        <p:spPr>
+          <a:xfrm>
+            <a:off x="457200" y="1600200"/>
+            <a:ext cx="8229600" cy="4709160"/>
+          </a:xfrm>
+          <a:prstGeom prst="rect">
+            <a:avLst/>
+          </a:prstGeom>
+        </p:spPr>
+        <p:txBody>
+          <a:bodyPr vert="horz">
+            <a:normAutofit/>
+          </a:bodyPr>
+          <a:lstStyle/>
+          <a:p>
+            <a:pPr lvl="0" eaLnBrk="1" latinLnBrk="0" hangingPunct="1"/>
+            <a:r>
+              <a:rPr kumimoji="0" lang="en-US" smtClean="0"/>
+              <a:t>Click to edit Master text styles</a:t>
+            </a:r>
+          </a:p>
+          <a:p>
+            <a:pPr lvl="1" eaLnBrk="1" latinLnBrk="0" hangingPunct="1"/>
+            <a:r>
+              <a:rPr kumimoji="0" lang="en-US" smtClean="0"/>
+              <a:t>Second level</a:t>
+            </a:r>
+          </a:p>
+          <a:p>
+            <a:pPr lvl="2" eaLnBrk="1" latinLnBrk="0" hangingPunct="1"/>
+            <a:r>
+              <a:rPr kumimoji="0" lang="en-US" smtClean="0"/>
+              <a:t>Third level</a:t>
+            </a:r>
+          </a:p>
+          <a:p>
+            <a:pPr lvl="3" eaLnBrk="1" latinLnBrk="0" hangingPunct="1"/>
+            <a:r>
+              <a:rPr kumimoji="0" lang="en-US" smtClean="0"/>
+              <a:t>Fourth level</a:t>
+            </a:r>
+          </a:p>
+          <a:p>
+            <a:pPr lvl="4" eaLnBrk="1" latinLnBrk="0" hangingPunct="1"/>
+            <a:r>
+              <a:rPr kumimoji="0" lang="en-US" smtClean="0"/>
+              <a:t>Fifth level</a:t>
+            </a:r>
+            <a:endParaRPr kumimoji="0" lang="en-US"/>
+          </a:p>
+        </p:txBody>
+      </p:sp>
+      <p:sp>
+        <p:nvSpPr>
+          <p:cNvPr id="14" name="Date Placeholder 13"/>
+          <p:cNvSpPr>
+            <a:spLocks noGrp="1"/>
+          </p:cNvSpPr>
+          <p:nvPr>
+            <p:ph type="dt" sz="half" idx="2"/>
+          </p:nvPr>
+        </p:nvSpPr>
+        <p:spPr>
+          <a:xfrm>
+            <a:off x="457200" y="6416675"/>
+            <a:ext cx="2133600" cy="365125"/>
+          </a:xfrm>
+          <a:prstGeom prst="rect">
+            <a:avLst/>
+          </a:prstGeom>
+        </p:spPr>
+        <p:txBody>
+          <a:bodyPr vert="horz" anchor="b"/>
+          <a:lstStyle>
+            <a:lvl1pPr algn="l" eaLnBrk="1" latinLnBrk="0" hangingPunct="1">
+              <a:defRPr kumimoji="0" sz="1200">
+                <a:solidFill>
+                  <a:schemeClr val="tx1">
+                    <a:shade val="50000"/>
+                  </a:schemeClr>
+                </a:solidFill>
+              </a:defRPr>
+            </a:lvl1pPr>
+          </a:lstStyle>
+          <a:p>
+            <a:fld id="{CAB7453E-51ED-4977-9F68-E764D7ECA517}" type="datetimeFigureOut">
+              <a:rPr lang="en-US" smtClean="0"/>
+              <a:pPr/>
+              <a:t>8/25/2022</a:t>
+            </a:fld>
+            <a:endParaRPr lang="en-US"/>
+          </a:p>
+        </p:txBody>
+      </p:sp>
+      <p:sp>
+        <p:nvSpPr>
+          <p:cNvPr id="3" name="Footer Placeholder 2"/>
+          <p:cNvSpPr>
+            <a:spLocks noGrp="1"/>
+          </p:cNvSpPr>
+          <p:nvPr>
+            <p:ph type="ftr" sz="quarter" idx="3"/>
+          </p:nvPr>
+        </p:nvSpPr>
+        <p:spPr>
+          <a:xfrm>
+            <a:off x="3124200" y="6416675"/>
+            <a:ext cx="2895600" cy="365125"/>
+          </a:xfrm>
+          <a:prstGeom prst="rect">
+            <a:avLst/>
+          </a:prstGeom>
+        </p:spPr>
+        <p:txBody>
+          <a:bodyPr vert="horz" anchor="b"/>
+          <a:lstStyle>
+            <a:lvl1pPr algn="ctr" eaLnBrk="1" latinLnBrk="0" hangingPunct="1">
+              <a:defRPr kumimoji="0" sz="1200">
+                <a:solidFill>
+                  <a:schemeClr val="tx1">
+                    <a:shade val="50000"/>
+                  </a:schemeClr>
+                </a:solidFill>
+              </a:defRPr>
+            </a:lvl1pPr>
+          </a:lstStyle>
+          <a:p>
+            <a:endParaRPr lang="en-US"/>
+          </a:p>
+        </p:txBody>
+      </p:sp>
+      <p:sp>
+        <p:nvSpPr>
+          <p:cNvPr id="23" name="Slide Number Placeholder 22"/>
+          <p:cNvSpPr>
+            <a:spLocks noGrp="1"/>
+          </p:cNvSpPr>
+          <p:nvPr>
+            <p:ph type="sldNum" sz="quarter" idx="4"/>
+          </p:nvPr>
+        </p:nvSpPr>
+        <p:spPr>
+          <a:xfrm>
+            <a:off x="7924800" y="6416675"/>
+            <a:ext cx="762000" cy="365125"/>
+          </a:xfrm>
+          <a:prstGeom prst="rect">
+            <a:avLst/>
+          </a:prstGeom>
+        </p:spPr>
+        <p:txBody>
+          <a:bodyPr vert="horz" lIns="0" rIns="0" anchor="b"/>
+          <a:lstStyle>
+            <a:lvl1pPr algn="r" eaLnBrk="1" latinLnBrk="0" hangingPunct="1">
+              <a:defRPr kumimoji="0" sz="1200">
+                <a:solidFill>
+                  <a:schemeClr val="tx1">
+                    <a:shade val="50000"/>
+                  </a:schemeClr>
+                </a:solidFill>
+              </a:defRPr>
+            </a:lvl1pPr>
+          </a:lstStyle>
+          <a:p>
+            <a:fld id="{6142D011-5628-41B5-8BA8-40A6163AD5EA}" type="slidenum">
+              <a:rPr lang="en-US" smtClean="0"/>
+              <a:pPr/>
+              <a:t>‹#›</a:t>
+            </a:fld>
+            <a:endParaRPr lang="en-US"/>
+          </a:p>
+        </p:txBody>
+      </p:sp>
+    </p:spTree>
+  </p:cSld>
+  <p:clrMap bg1="dk1" tx1="lt1" bg2="dk2" tx2="lt2" accent1="accent1" accent2="accent2" accent3="accent3" accent4="accent4" accent5="accent5" accent6="accent6" hlink="hlink" folHlink="folHlink"/>
+  <p:sldLayoutIdLst>
+    <p:sldLayoutId id="2147483673" r:id="rId1"/>
+    <p:sldLayoutId id="2147483674" r:id="rId2"/>
+    <p:sldLayoutId id="2147483675" r:id="rId3"/>
+    <p:sldLayoutId id="2147483676" r:id="rId4"/>
+    <p:sldLayoutId id="2147483677" r:id="rId5"/>
+    <p:sldLayoutId id="2147483678" r:id="rId6"/>
+    <p:sldLayoutId id="2147483679" r:id="rId7"/>
+    <p:sldLayoutId id="2147483680" r:id="rId8"/>
+    <p:sldLayoutId id="2147483681" r:id="rId9"/>
+    <p:sldLayoutId id="2147483682" r:id="rId10"/>
+    <p:sldLayoutId id="2147483683" r:id="rId11"/>
+  </p:sldLayoutIdLst>
+  <p:txStyles>
+    <p:titleStyle>
+      <a:lvl1pPr algn="ctr" rtl="0" eaLnBrk="1" latinLnBrk="0" hangingPunct="1">
+        <a:spcBef>
+          <a:spcPct val="0"/>
+        </a:spcBef>
+        <a:buNone/>
+        <a:defRPr kumimoji="0" sz="4100" b="1" kern="1200" cap="none" baseline="0">
+          <a:ln w="6350">
+            <a:noFill/>
           </a:ln>
+          <a:gradFill>
+            <a:gsLst>
+              <a:gs pos="0">
+                <a:schemeClr val="accent1">
+                  <a:tint val="73000"/>
+                  <a:satMod val="145000"/>
+                </a:schemeClr>
+              </a:gs>
+              <a:gs pos="73000">
+                <a:schemeClr val="accent1">
+                  <a:tint val="73000"/>
+                  <a:satMod val="145000"/>
+                </a:schemeClr>
+              </a:gs>
+              <a:gs pos="100000">
+                <a:schemeClr val="accent1">
+                  <a:tint val="83000"/>
+                  <a:satMod val="143000"/>
+                </a:schemeClr>
+              </a:gs>
+            </a:gsLst>
+            <a:lin ang="4800000" scaled="1"/>
+          </a:gradFill>
           <a:effectLst>
-            <a:outerShdw blurRad="25000" dist="12700" dir="5400000" algn="t" rotWithShape="0">
+            <a:outerShdw blurRad="114300" dist="101600" dir="2700000" algn="tl" rotWithShape="0">
               <a:srgbClr val="000000">
                 <a:alpha val="40000"/>
               </a:srgbClr>
             </a:outerShdw>
           </a:effectLst>
-        </p:spPr>
-        <p:style>
-          <a:lnRef idx="2">
-            <a:schemeClr val="accent1"/>
-          </a:lnRef>
-          <a:fillRef idx="1">
-            <a:schemeClr val="accent1"/>
-          </a:fillRef>
-          <a:effectRef idx="0">
-            <a:schemeClr val="accent1"/>
-          </a:effectRef>
-          <a:fontRef idx="minor">
-            <a:schemeClr val="lt1"/>
-          </a:fontRef>
-        </p:style>
-        <p:txBody>
-          <a:bodyPr rtlCol="0" anchor="ctr"/>
-          <a:lstStyle>
-            <a:extLst/>
-          </a:lstStyle>
-          <a:p>
-            <a:pPr algn="ctr" eaLnBrk="1" latinLnBrk="0" hangingPunct="1"/>
-            <a:endParaRPr kumimoji="0" lang="en-US"/>
-          </a:p>
-        </p:txBody>
-      </p:sp>
-      <p:sp>
-        <p:nvSpPr>
-          <p:cNvPr id="9" name="Rectangle 8"/>
-          <p:cNvSpPr/>
-          <p:nvPr/>
-        </p:nvSpPr>
-        <p:spPr>
-          <a:xfrm rot="21420000">
-            <a:off x="596706" y="998816"/>
-            <a:ext cx="4319527" cy="4312573"/>
-          </a:xfrm>
-          <a:prstGeom prst="rect">
-            <a:avLst/>
-          </a:prstGeom>
-          <a:solidFill>
-            <a:srgbClr val="FAFAFA"/>
-          </a:solidFill>
-          <a:ln w="1270" cap="rnd" cmpd="sng" algn="ctr">
-            <a:solidFill>
-              <a:srgbClr val="EAEAEA"/>
-            </a:solidFill>
-            <a:prstDash val="solid"/>
-          </a:ln>
-          <a:effectLst>
-            <a:outerShdw blurRad="28000" dist="12700" dir="5400000" algn="tl" rotWithShape="0">
-              <a:srgbClr val="000000">
-                <a:alpha val="40000"/>
-              </a:srgbClr>
-            </a:outerShdw>
-          </a:effectLst>
-        </p:spPr>
-        <p:style>
-          <a:lnRef idx="2">
-            <a:schemeClr val="accent1"/>
-          </a:lnRef>
-          <a:fillRef idx="1">
-            <a:schemeClr val="accent1"/>
-          </a:fillRef>
-          <a:effectRef idx="0">
-            <a:schemeClr val="accent1"/>
-          </a:effectRef>
-          <a:fontRef idx="minor">
-            <a:schemeClr val="lt1"/>
-          </a:fontRef>
-        </p:style>
-        <p:txBody>
-          <a:bodyPr rtlCol="0" anchor="ctr"/>
-          <a:lstStyle>
-            <a:extLst/>
-          </a:lstStyle>
-          <a:p>
-            <a:pPr algn="ctr" eaLnBrk="1" latinLnBrk="0" hangingPunct="1"/>
-            <a:endParaRPr kumimoji="0" lang="en-US"/>
-          </a:p>
-        </p:txBody>
-      </p:sp>
-      <p:sp>
-        <p:nvSpPr>
-          <p:cNvPr id="2" name="Title 1"/>
-          <p:cNvSpPr>
-            <a:spLocks noGrp="1"/>
-          </p:cNvSpPr>
-          <p:nvPr>
-            <p:ph type="title"/>
-          </p:nvPr>
-        </p:nvSpPr>
-        <p:spPr>
-          <a:xfrm>
-            <a:off x="5389098" y="1143000"/>
-            <a:ext cx="3429000" cy="2057400"/>
-          </a:xfrm>
-        </p:spPr>
-        <p:txBody>
-          <a:bodyPr vert="horz" anchor="b"/>
-          <a:lstStyle>
-            <a:lvl1pPr algn="l">
-              <a:buNone/>
-              <a:defRPr sz="3000" b="1" baseline="0">
-                <a:ln w="500">
-                  <a:solidFill>
-                    <a:schemeClr val="tx2">
-                      <a:shade val="10000"/>
-                      <a:satMod val="135000"/>
-                    </a:schemeClr>
-                  </a:solidFill>
-                </a:ln>
-                <a:gradFill>
-                  <a:gsLst>
-                    <a:gs pos="0">
-                      <a:schemeClr val="accent4">
-                        <a:tint val="13000"/>
-                      </a:schemeClr>
-                    </a:gs>
-                    <a:gs pos="10000">
-                      <a:schemeClr val="accent4">
-                        <a:tint val="20000"/>
-                      </a:schemeClr>
-                    </a:gs>
-                    <a:gs pos="49000">
-                      <a:schemeClr val="accent4">
-                        <a:tint val="70000"/>
-                      </a:schemeClr>
-                    </a:gs>
-                    <a:gs pos="50000">
-                      <a:schemeClr val="accent4">
-                        <a:tint val="97000"/>
-                      </a:schemeClr>
-                    </a:gs>
-                    <a:gs pos="100000">
-                      <a:schemeClr val="accent4">
-                        <a:tint val="20000"/>
-                      </a:schemeClr>
-                    </a:gs>
-                  </a:gsLst>
-                  <a:lin ang="5400000" scaled="1"/>
-                </a:gradFill>
-                <a:effectLst/>
-              </a:defRPr>
-            </a:lvl1pPr>
-            <a:extLst/>
-          </a:lstStyle>
-          <a:p>
-            <a:r>
-              <a:rPr kumimoji="0" lang="en-US" smtClean="0"/>
-              <a:t>Click to edit Master title style</a:t>
-            </a:r>
-            <a:endParaRPr kumimoji="0" lang="en-US" dirty="0"/>
-          </a:p>
-        </p:txBody>
-      </p:sp>
-      <p:sp>
-        <p:nvSpPr>
-          <p:cNvPr id="4" name="Text Placeholder 3"/>
-          <p:cNvSpPr>
-            <a:spLocks noGrp="1"/>
-          </p:cNvSpPr>
-          <p:nvPr>
-            <p:ph type="body" sz="half" idx="2"/>
-          </p:nvPr>
-        </p:nvSpPr>
-        <p:spPr>
-          <a:xfrm>
-            <a:off x="5389098" y="3283634"/>
-            <a:ext cx="3429000" cy="1920240"/>
-          </a:xfrm>
-        </p:spPr>
-        <p:txBody>
-          <a:bodyPr rot="0" spcFirstLastPara="0" vertOverflow="overflow" horzOverflow="overflow" vert="horz" wrap="square" lIns="82296" tIns="0" rIns="0" bIns="0" numCol="1" spcCol="0" rtlCol="0" fromWordArt="0" anchor="t" anchorCtr="0" forceAA="0" compatLnSpc="1">
-            <a:normAutofit/>
-          </a:bodyPr>
-          <a:lstStyle>
-            <a:lvl1pPr marL="0" indent="0">
-              <a:lnSpc>
-                <a:spcPct val="100000"/>
-              </a:lnSpc>
-              <a:spcBef>
-                <a:spcPts val="0"/>
-              </a:spcBef>
-              <a:buFontTx/>
-              <a:buNone/>
-              <a:defRPr sz="1400" baseline="0">
-                <a:solidFill>
-                  <a:schemeClr val="tx1"/>
-                </a:solidFill>
-              </a:defRPr>
-            </a:lvl1pPr>
-            <a:lvl2pPr>
-              <a:defRPr sz="1200"/>
-            </a:lvl2pPr>
-            <a:lvl3pPr>
-              <a:defRPr sz="1000"/>
-            </a:lvl3pPr>
-            <a:lvl4pPr>
-              <a:defRPr sz="900"/>
-            </a:lvl4pPr>
-            <a:lvl5pPr>
-              <a:defRPr sz="900"/>
-            </a:lvl5pPr>
-            <a:extLst/>
-          </a:lstStyle>
-          <a:p>
-            <a:pPr marL="0" marR="0" lvl="0" indent="0" algn="l" defTabSz="0" rtl="0" eaLnBrk="1" fontAlgn="auto" latinLnBrk="0" hangingPunct="1">
-              <a:lnSpc>
-                <a:spcPct val="100000"/>
-              </a:lnSpc>
-              <a:spcBef>
-                <a:spcPts val="0"/>
-              </a:spcBef>
-              <a:spcAft>
-                <a:spcPts val="0"/>
-              </a:spcAft>
-              <a:buClr>
-                <a:schemeClr val="tx2"/>
-              </a:buClr>
-              <a:buSzPct val="73000"/>
-              <a:buFontTx/>
-              <a:buNone/>
-              <a:tabLst/>
-              <a:defRPr/>
-            </a:pPr>
-            <a:r>
-              <a:rPr kumimoji="0" lang="en-US" smtClean="0"/>
-              <a:t>Click to edit Master text styles</a:t>
-            </a:r>
-          </a:p>
-        </p:txBody>
-      </p:sp>
-      <p:sp>
-        <p:nvSpPr>
-          <p:cNvPr id="5" name="Date Placeholder 4"/>
-          <p:cNvSpPr>
-            <a:spLocks noGrp="1"/>
-          </p:cNvSpPr>
-          <p:nvPr>
-            <p:ph type="dt" sz="half" idx="10"/>
-          </p:nvPr>
-        </p:nvSpPr>
-        <p:spPr/>
-        <p:txBody>
-          <a:bodyPr/>
-          <a:lstStyle>
-            <a:extLst/>
-          </a:lstStyle>
-          <a:p>
-            <a:fld id="{CAB7453E-51ED-4977-9F68-E764D7ECA517}" type="datetimeFigureOut">
-              <a:rPr lang="en-US" smtClean="0"/>
-              <a:pPr/>
-              <a:t>8/24/2022</a:t>
-            </a:fld>
-            <a:endParaRPr lang="en-US"/>
-          </a:p>
-        </p:txBody>
-      </p:sp>
-      <p:sp>
-        <p:nvSpPr>
-          <p:cNvPr id="6" name="Footer Placeholder 5"/>
-          <p:cNvSpPr>
-            <a:spLocks noGrp="1"/>
-          </p:cNvSpPr>
-          <p:nvPr>
-            <p:ph type="ftr" sz="quarter" idx="11"/>
-          </p:nvPr>
-        </p:nvSpPr>
-        <p:spPr/>
-        <p:txBody>
-          <a:bodyPr/>
-          <a:lstStyle>
-            <a:extLst/>
-          </a:lstStyle>
-          <a:p>
-            <a:endParaRPr lang="en-US"/>
-          </a:p>
-        </p:txBody>
-      </p:sp>
-      <p:sp>
-        <p:nvSpPr>
-          <p:cNvPr id="7" name="Slide Number Placeholder 6"/>
-          <p:cNvSpPr>
-            <a:spLocks noGrp="1"/>
-          </p:cNvSpPr>
-          <p:nvPr>
-            <p:ph type="sldNum" sz="quarter" idx="12"/>
-          </p:nvPr>
-        </p:nvSpPr>
-        <p:spPr/>
-        <p:txBody>
-          <a:bodyPr/>
-          <a:lstStyle>
-            <a:extLst/>
-          </a:lstStyle>
-          <a:p>
-            <a:fld id="{6142D011-5628-41B5-8BA8-40A6163AD5EA}" type="slidenum">
-              <a:rPr lang="en-US" smtClean="0"/>
-              <a:pPr/>
-              <a:t>‹#›</a:t>
-            </a:fld>
-            <a:endParaRPr lang="en-US"/>
-          </a:p>
-        </p:txBody>
-      </p:sp>
-      <p:sp>
-        <p:nvSpPr>
-          <p:cNvPr id="10" name="Picture Placeholder 9"/>
-          <p:cNvSpPr>
-            <a:spLocks noGrp="1"/>
-          </p:cNvSpPr>
-          <p:nvPr>
-            <p:ph type="pic" idx="1"/>
-          </p:nvPr>
-        </p:nvSpPr>
-        <p:spPr>
-          <a:xfrm>
-            <a:off x="663682" y="1041002"/>
-            <a:ext cx="4206240" cy="4206240"/>
-          </a:xfrm>
-          <a:solidFill>
-            <a:schemeClr val="bg2">
-              <a:shade val="50000"/>
-            </a:schemeClr>
-          </a:solidFill>
-          <a:ln w="107950">
-            <a:solidFill>
-              <a:srgbClr val="FFFFFF"/>
-            </a:solidFill>
-            <a:miter lim="800000"/>
-          </a:ln>
-          <a:effectLst>
-            <a:outerShdw blurRad="44450" dist="3810" dir="5400000" algn="tl" rotWithShape="0">
-              <a:srgbClr val="000000">
-                <a:alpha val="60000"/>
-              </a:srgbClr>
-            </a:outerShdw>
-          </a:effectLst>
-          <a:scene3d>
-            <a:camera prst="orthographicFront"/>
-            <a:lightRig rig="threePt" dir="t"/>
-          </a:scene3d>
-          <a:sp3d contourW="3810">
-            <a:contourClr>
-              <a:srgbClr val="969696"/>
-            </a:contourClr>
-          </a:sp3d>
-        </p:spPr>
-        <p:txBody>
-          <a:bodyPr/>
-          <a:lstStyle>
-            <a:lvl1pPr marL="0" indent="0">
-              <a:buNone/>
-              <a:defRPr sz="3200"/>
-            </a:lvl1pPr>
-            <a:extLst/>
-          </a:lstStyle>
-          <a:p>
-            <a:r>
-              <a:rPr kumimoji="0" lang="en-US" smtClean="0"/>
-              <a:t>Click icon to add picture</a:t>
-            </a:r>
-            <a:endParaRPr kumimoji="0" lang="en-US" dirty="0"/>
-          </a:p>
-        </p:txBody>
-      </p:sp>
-    </p:spTree>
-  </p:cSld>
-  <p:clrMapOvr>
-    <a:overrideClrMapping bg1="dk1" tx1="lt1" bg2="dk2" tx2="lt2" accent1="accent1" accent2="accent2" accent3="accent3" accent4="accent4" accent5="accent5" accent6="accent6" hlink="hlink" folHlink="folHlink"/>
-  </p:clrMapOvr>
-</p:sldLayout>
-</file>
-
-<file path=ppt/slideMasters/slideMaster1.xml><?xml version="1.0" encoding="utf-8"?>
-<p:sldMaster xmlns:a="http://schemas.openxmlformats.org/drawingml/2006/main" xmlns:r="http://schemas.openxmlformats.org/officeDocument/2006/relationships" xmlns:p="http://schemas.openxmlformats.org/presentationml/2006/main">
-  <p:cSld>
-    <p:bg>
-      <p:bgRef idx="1001">
-        <a:schemeClr val="bg1"/>
-      </p:bgRef>
-    </p:bg>
-    <p:spTree>
-      <p:nvGrpSpPr>
-        <p:cNvPr id="1" name=""/>
-        <p:cNvGrpSpPr/>
-        <p:nvPr/>
-      </p:nvGrpSpPr>
-      <p:grpSpPr>
-        <a:xfrm>
-          <a:off x="0" y="0"/>
-          <a:ext cx="0" cy="0"/>
-          <a:chOff x="0" y="0"/>
-          <a:chExt cx="0" cy="0"/>
-        </a:xfrm>
-      </p:grpSpPr>
-      <p:sp>
-        <p:nvSpPr>
-          <p:cNvPr id="9" name="Rectangle 8"/>
-          <p:cNvSpPr/>
-          <p:nvPr/>
-        </p:nvSpPr>
-        <p:spPr>
-          <a:xfrm flipH="1">
-            <a:off x="8153400" y="0"/>
-            <a:ext cx="990600" cy="6858000"/>
-          </a:xfrm>
-          <a:prstGeom prst="rect">
-            <a:avLst/>
-          </a:prstGeom>
-          <a:blipFill>
-            <a:blip r:embed="rId13">
-              <a:alphaModFix amt="43000"/>
-            </a:blip>
-            <a:tile tx="0" ty="0" sx="50000" sy="50000" flip="none" algn="tl"/>
-          </a:blipFill>
-          <a:ln w="0" cap="flat" cmpd="sng" algn="ctr">
-            <a:noFill/>
-            <a:prstDash val="solid"/>
-          </a:ln>
-          <a:effectLst>
-            <a:fillOverlay blend="mult">
-              <a:gradFill rotWithShape="1">
-                <a:gsLst>
-                  <a:gs pos="0">
-                    <a:schemeClr val="tx2">
-                      <a:tint val="62000"/>
-                      <a:satMod val="420000"/>
-                    </a:schemeClr>
-                  </a:gs>
-                  <a:gs pos="100000">
-                    <a:schemeClr val="tx2">
-                      <a:shade val="20000"/>
-                      <a:satMod val="170000"/>
-                    </a:schemeClr>
-                  </a:gs>
-                </a:gsLst>
-                <a:path path="circle">
-                  <a:fillToRect l="50000" t="110000" r="50000" b="-10000"/>
-                </a:path>
-                <a:tileRect/>
-              </a:gradFill>
-            </a:fillOverlay>
-            <a:innerShdw blurRad="63500" dist="44450" dir="10800000">
-              <a:srgbClr val="000000">
-                <a:alpha val="45000"/>
-              </a:srgbClr>
-            </a:innerShdw>
-          </a:effectLst>
-        </p:spPr>
-        <p:style>
-          <a:lnRef idx="3">
-            <a:schemeClr val="lt1"/>
-          </a:lnRef>
-          <a:fillRef idx="1">
-            <a:schemeClr val="accent1"/>
-          </a:fillRef>
-          <a:effectRef idx="1">
-            <a:schemeClr val="accent1"/>
-          </a:effectRef>
-          <a:fontRef idx="minor">
-            <a:schemeClr val="lt1"/>
-          </a:fontRef>
-        </p:style>
-        <p:txBody>
-          <a:bodyPr anchor="ctr"/>
-          <a:lstStyle>
-            <a:extLst/>
-          </a:lstStyle>
-          <a:p>
-            <a:pPr algn="ctr" eaLnBrk="1" latinLnBrk="0" hangingPunct="1"/>
-            <a:endParaRPr kumimoji="0" lang="en-US"/>
-          </a:p>
-        </p:txBody>
-      </p:sp>
-      <p:sp>
-        <p:nvSpPr>
-          <p:cNvPr id="3" name="Title Placeholder 2"/>
-          <p:cNvSpPr>
-            <a:spLocks noGrp="1"/>
-          </p:cNvSpPr>
-          <p:nvPr>
-            <p:ph type="title"/>
-          </p:nvPr>
-        </p:nvSpPr>
-        <p:spPr>
-          <a:xfrm>
-            <a:off x="457200" y="320040"/>
-            <a:ext cx="7239000" cy="1143000"/>
-          </a:xfrm>
-          <a:prstGeom prst="rect">
-            <a:avLst/>
-          </a:prstGeom>
-        </p:spPr>
-        <p:txBody>
-          <a:bodyPr vert="horz" lIns="45720" tIns="0" rIns="45720" bIns="0" anchor="b" anchorCtr="0">
-            <a:normAutofit/>
-          </a:bodyPr>
-          <a:lstStyle>
-            <a:extLst/>
-          </a:lstStyle>
-          <a:p>
-            <a:r>
-              <a:rPr kumimoji="0" lang="en-US" smtClean="0"/>
-              <a:t>Click to edit Master title style</a:t>
-            </a:r>
-            <a:endParaRPr kumimoji="0" lang="en-US"/>
-          </a:p>
-        </p:txBody>
-      </p:sp>
-      <p:sp>
-        <p:nvSpPr>
-          <p:cNvPr id="31" name="Text Placeholder 30"/>
-          <p:cNvSpPr>
-            <a:spLocks noGrp="1"/>
-          </p:cNvSpPr>
-          <p:nvPr>
-            <p:ph type="body" idx="1"/>
-          </p:nvPr>
-        </p:nvSpPr>
-        <p:spPr>
-          <a:xfrm>
-            <a:off x="457200" y="1609416"/>
-            <a:ext cx="7239000" cy="4846320"/>
-          </a:xfrm>
-          <a:prstGeom prst="rect">
-            <a:avLst/>
-          </a:prstGeom>
-        </p:spPr>
-        <p:txBody>
-          <a:bodyPr vert="horz">
-            <a:normAutofit/>
-          </a:bodyPr>
-          <a:lstStyle>
-            <a:extLst/>
-          </a:lstStyle>
-          <a:p>
-            <a:pPr lvl="0" eaLnBrk="1" latinLnBrk="0" hangingPunct="1"/>
-            <a:r>
-              <a:rPr kumimoji="0" lang="en-US" smtClean="0"/>
-              <a:t>Click to edit Master text styles</a:t>
-            </a:r>
-          </a:p>
-          <a:p>
-            <a:pPr lvl="1" eaLnBrk="1" latinLnBrk="0" hangingPunct="1"/>
-            <a:r>
-              <a:rPr kumimoji="0" lang="en-US" smtClean="0"/>
-              <a:t>Second level</a:t>
-            </a:r>
-          </a:p>
-          <a:p>
-            <a:pPr lvl="2" eaLnBrk="1" latinLnBrk="0" hangingPunct="1"/>
-            <a:r>
-              <a:rPr kumimoji="0" lang="en-US" smtClean="0"/>
-              <a:t>Third level</a:t>
-            </a:r>
-          </a:p>
-          <a:p>
-            <a:pPr lvl="3" eaLnBrk="1" latinLnBrk="0" hangingPunct="1"/>
-            <a:r>
-              <a:rPr kumimoji="0" lang="en-US" smtClean="0"/>
-              <a:t>Fourth level</a:t>
-            </a:r>
-          </a:p>
-          <a:p>
-            <a:pPr lvl="4" eaLnBrk="1" latinLnBrk="0" hangingPunct="1"/>
-            <a:r>
-              <a:rPr kumimoji="0" lang="en-US" smtClean="0"/>
-              <a:t>Fifth level</a:t>
-            </a:r>
-            <a:endParaRPr kumimoji="0" lang="en-US"/>
-          </a:p>
-        </p:txBody>
-      </p:sp>
-      <p:sp>
-        <p:nvSpPr>
-          <p:cNvPr id="27" name="Date Placeholder 26"/>
-          <p:cNvSpPr>
-            <a:spLocks noGrp="1"/>
-          </p:cNvSpPr>
-          <p:nvPr>
-            <p:ph type="dt" sz="half" idx="2"/>
-          </p:nvPr>
-        </p:nvSpPr>
-        <p:spPr>
-          <a:xfrm>
-            <a:off x="4245936" y="6557946"/>
-            <a:ext cx="2002464" cy="226902"/>
-          </a:xfrm>
-          <a:prstGeom prst="rect">
-            <a:avLst/>
-          </a:prstGeom>
-        </p:spPr>
-        <p:txBody>
-          <a:bodyPr vert="horz" tIns="0" bIns="0" anchor="b"/>
-          <a:lstStyle>
-            <a:lvl1pPr algn="l" eaLnBrk="1" latinLnBrk="0" hangingPunct="1">
-              <a:defRPr kumimoji="0" sz="1000">
-                <a:solidFill>
-                  <a:schemeClr val="tx2"/>
-                </a:solidFill>
-              </a:defRPr>
-            </a:lvl1pPr>
-            <a:extLst/>
-          </a:lstStyle>
-          <a:p>
-            <a:fld id="{CAB7453E-51ED-4977-9F68-E764D7ECA517}" type="datetimeFigureOut">
-              <a:rPr lang="en-US" smtClean="0"/>
-              <a:pPr/>
-              <a:t>8/24/2022</a:t>
-            </a:fld>
-            <a:endParaRPr lang="en-US"/>
-          </a:p>
-        </p:txBody>
-      </p:sp>
-      <p:sp>
-        <p:nvSpPr>
-          <p:cNvPr id="4" name="Footer Placeholder 3"/>
-          <p:cNvSpPr>
-            <a:spLocks noGrp="1"/>
-          </p:cNvSpPr>
-          <p:nvPr>
-            <p:ph type="ftr" sz="quarter" idx="3"/>
-          </p:nvPr>
-        </p:nvSpPr>
-        <p:spPr>
-          <a:xfrm>
-            <a:off x="457200" y="6557946"/>
-            <a:ext cx="3657600" cy="228600"/>
-          </a:xfrm>
-          <a:prstGeom prst="rect">
-            <a:avLst/>
-          </a:prstGeom>
-        </p:spPr>
-        <p:txBody>
-          <a:bodyPr vert="horz" tIns="0" bIns="0" anchor="b"/>
-          <a:lstStyle>
-            <a:lvl1pPr algn="r" eaLnBrk="1" latinLnBrk="0" hangingPunct="1">
-              <a:defRPr kumimoji="0" sz="1000">
-                <a:solidFill>
-                  <a:schemeClr val="tx2"/>
-                </a:solidFill>
-              </a:defRPr>
-            </a:lvl1pPr>
-            <a:extLst/>
-          </a:lstStyle>
-          <a:p>
-            <a:endParaRPr lang="en-US"/>
-          </a:p>
-        </p:txBody>
-      </p:sp>
-      <p:sp>
-        <p:nvSpPr>
-          <p:cNvPr id="16" name="Slide Number Placeholder 15"/>
-          <p:cNvSpPr>
-            <a:spLocks noGrp="1"/>
-          </p:cNvSpPr>
-          <p:nvPr>
-            <p:ph type="sldNum" sz="quarter" idx="4"/>
-          </p:nvPr>
-        </p:nvSpPr>
-        <p:spPr>
-          <a:xfrm>
-            <a:off x="6251448" y="6556248"/>
-            <a:ext cx="588336" cy="228600"/>
-          </a:xfrm>
-          <a:prstGeom prst="rect">
-            <a:avLst/>
-          </a:prstGeom>
-        </p:spPr>
-        <p:txBody>
-          <a:bodyPr vert="horz" lIns="0" tIns="0" rIns="0" bIns="0" anchor="b"/>
-          <a:lstStyle>
-            <a:lvl1pPr algn="r" eaLnBrk="1" latinLnBrk="0" hangingPunct="1">
-              <a:defRPr kumimoji="0" sz="1100">
-                <a:solidFill>
-                  <a:schemeClr val="tx2"/>
-                </a:solidFill>
-              </a:defRPr>
-            </a:lvl1pPr>
-            <a:extLst/>
-          </a:lstStyle>
-          <a:p>
-            <a:fld id="{6142D011-5628-41B5-8BA8-40A6163AD5EA}" type="slidenum">
-              <a:rPr lang="en-US" smtClean="0"/>
-              <a:pPr/>
-              <a:t>‹#›</a:t>
-            </a:fld>
-            <a:endParaRPr lang="en-US"/>
-          </a:p>
-        </p:txBody>
-      </p:sp>
-    </p:spTree>
-  </p:cSld>
-  <p:clrMap bg1="lt1" tx1="dk1" bg2="lt2" tx2="dk2" accent1="accent1" accent2="accent2" accent3="accent3" accent4="accent4" accent5="accent5" accent6="accent6" hlink="hlink" folHlink="folHlink"/>
-  <p:sldLayoutIdLst>
-    <p:sldLayoutId id="2147483661" r:id="rId1"/>
-    <p:sldLayoutId id="2147483662" r:id="rId2"/>
-    <p:sldLayoutId id="2147483663" r:id="rId3"/>
-    <p:sldLayoutId id="2147483664" r:id="rId4"/>
-    <p:sldLayoutId id="2147483665" r:id="rId5"/>
-    <p:sldLayoutId id="2147483666" r:id="rId6"/>
-    <p:sldLayoutId id="2147483667" r:id="rId7"/>
-    <p:sldLayoutId id="2147483668" r:id="rId8"/>
-    <p:sldLayoutId id="2147483669" r:id="rId9"/>
-    <p:sldLayoutId id="2147483670" r:id="rId10"/>
-    <p:sldLayoutId id="2147483671" r:id="rId11"/>
-  </p:sldLayoutIdLst>
-  <p:txStyles>
-    <p:titleStyle>
-      <a:lvl1pPr algn="l" rtl="0" eaLnBrk="1" latinLnBrk="0" hangingPunct="1">
-        <a:spcBef>
-          <a:spcPct val="0"/>
-        </a:spcBef>
-        <a:buNone/>
-        <a:defRPr kumimoji="0" sz="3800" b="1" kern="1200" cap="all" baseline="0">
-          <a:ln w="500">
-            <a:solidFill>
-              <a:schemeClr val="tx2">
-                <a:shade val="20000"/>
-                <a:satMod val="120000"/>
-              </a:schemeClr>
-            </a:solidFill>
-          </a:ln>
-          <a:gradFill>
-            <a:gsLst>
-              <a:gs pos="0">
-                <a:schemeClr val="accent4">
-                  <a:tint val="13000"/>
-                </a:schemeClr>
-              </a:gs>
-              <a:gs pos="10000">
-                <a:schemeClr val="accent4">
-                  <a:tint val="20000"/>
-                </a:schemeClr>
-              </a:gs>
-              <a:gs pos="49000">
-                <a:schemeClr val="accent4">
-                  <a:tint val="70000"/>
-                </a:schemeClr>
-              </a:gs>
-              <a:gs pos="50000">
-                <a:schemeClr val="accent4">
-                  <a:tint val="97000"/>
-                </a:schemeClr>
-              </a:gs>
-              <a:gs pos="100000">
-                <a:schemeClr val="accent4">
-                  <a:tint val="20000"/>
-                </a:schemeClr>
-              </a:gs>
-            </a:gsLst>
-            <a:lin ang="5400000" scaled="1"/>
-          </a:gradFill>
-          <a:effectLst/>
           <a:latin typeface="+mj-lt"/>
           <a:ea typeface="+mj-ea"/>
           <a:cs typeface="+mj-cs"/>
         </a:defRPr>
       </a:lvl1pPr>
-      <a:extLst/>
     </p:titleStyle>
     <p:bodyStyle>
-      <a:lvl1pPr marL="274320" indent="-274320" algn="l" rtl="0" eaLnBrk="1" latinLnBrk="0" hangingPunct="1">
+      <a:lvl1pPr marL="548640" indent="-411480" algn="l" rtl="0" eaLnBrk="1" latinLnBrk="0" hangingPunct="1">
         <a:spcBef>
-          <a:spcPts val="600"/>
+          <a:spcPct val="20000"/>
         </a:spcBef>
         <a:buClr>
-          <a:schemeClr val="tx2"/>
+          <a:schemeClr val="tx1">
+            <a:shade val="95000"/>
+          </a:schemeClr>
         </a:buClr>
-        <a:buSzPct val="73000"/>
+        <a:buSzPct val="65000"/>
         <a:buFont typeface="Wingdings 2"/>
-        <a:buChar char=""/>
-        <a:defRPr kumimoji="0" sz="2600" kern="1200" baseline="0">
+        <a:buChar char=""/>
+        <a:defRPr kumimoji="0" sz="2800" kern="1200">
           <a:solidFill>
             <a:schemeClr val="tx1"/>
           </a:solidFill>
@@ -3325,37 +2807,54 @@
           <a:cs typeface="+mn-cs"/>
         </a:defRPr>
       </a:lvl1pPr>
-      <a:lvl2pPr marL="521208" indent="-228600" algn="l" rtl="0" eaLnBrk="1" latinLnBrk="0" hangingPunct="1">
+      <a:lvl2pPr marL="868680" indent="-283464" algn="l" rtl="0" eaLnBrk="1" latinLnBrk="0" hangingPunct="1">
         <a:spcBef>
-          <a:spcPts val="500"/>
+          <a:spcPct val="20000"/>
         </a:spcBef>
         <a:buClr>
-          <a:schemeClr val="accent4"/>
+          <a:schemeClr val="tx1"/>
         </a:buClr>
         <a:buSzPct val="80000"/>
         <a:buFont typeface="Wingdings 2"/>
         <a:buChar char=""/>
-        <a:defRPr kumimoji="0" sz="2300" kern="1200">
+        <a:defRPr kumimoji="0" sz="2400" kern="1200">
           <a:solidFill>
-            <a:schemeClr val="tx1">
-              <a:tint val="85000"/>
-            </a:schemeClr>
+            <a:schemeClr val="tx1"/>
           </a:solidFill>
           <a:latin typeface="+mn-lt"/>
           <a:ea typeface="+mn-ea"/>
           <a:cs typeface="+mn-cs"/>
         </a:defRPr>
       </a:lvl2pPr>
-      <a:lvl3pPr marL="758952" indent="-228600" algn="l" rtl="0" eaLnBrk="1" latinLnBrk="0" hangingPunct="1">
+      <a:lvl3pPr marL="1133856" indent="-228600" algn="l" rtl="0" eaLnBrk="1" latinLnBrk="0" hangingPunct="1">
         <a:spcBef>
-          <a:spcPts val="400"/>
+          <a:spcPct val="20000"/>
         </a:spcBef>
         <a:buClr>
-          <a:schemeClr val="accent4"/>
+          <a:schemeClr val="tx1"/>
         </a:buClr>
-        <a:buSzPct val="60000"/>
+        <a:buSzPct val="95000"/>
         <a:buFont typeface="Wingdings"/>
-        <a:buChar char=""/>
+        <a:buChar char=""/>
+        <a:defRPr kumimoji="0" sz="2200" kern="1200">
+          <a:solidFill>
+            <a:schemeClr val="tx1"/>
+          </a:solidFill>
+          <a:latin typeface="+mn-lt"/>
+          <a:ea typeface="+mn-ea"/>
+          <a:cs typeface="+mn-cs"/>
+        </a:defRPr>
+      </a:lvl3pPr>
+      <a:lvl4pPr marL="1353312" indent="-182880" algn="l" rtl="0" eaLnBrk="1" latinLnBrk="0" hangingPunct="1">
+        <a:spcBef>
+          <a:spcPct val="20000"/>
+        </a:spcBef>
+        <a:buClr>
+          <a:schemeClr val="tx1"/>
+        </a:buClr>
+        <a:buSzPct val="100000"/>
+        <a:buFont typeface="Wingdings 3"/>
+        <a:buChar char=""/>
         <a:defRPr kumimoji="0" sz="2000" kern="1200">
           <a:solidFill>
             <a:schemeClr val="tx1"/>
@@ -3364,38 +2863,34 @@
           <a:ea typeface="+mn-ea"/>
           <a:cs typeface="+mn-cs"/>
         </a:defRPr>
-      </a:lvl3pPr>
-      <a:lvl4pPr marL="1005840" indent="-228600" algn="l" rtl="0" eaLnBrk="1" latinLnBrk="0" hangingPunct="1">
+      </a:lvl4pPr>
+      <a:lvl5pPr marL="1545336" indent="-182880" algn="l" rtl="0" eaLnBrk="1" latinLnBrk="0" hangingPunct="1">
         <a:spcBef>
           <a:spcPct val="20000"/>
         </a:spcBef>
         <a:buClr>
-          <a:schemeClr val="accent4"/>
+          <a:schemeClr val="tx1"/>
         </a:buClr>
-        <a:buSzPct val="80000"/>
         <a:buFont typeface="Wingdings 2"/>
-        <a:buChar char=""/>
+        <a:buChar char=""/>
         <a:defRPr kumimoji="0" sz="2000" kern="1200">
           <a:solidFill>
-            <a:schemeClr val="tx1">
-              <a:tint val="85000"/>
-            </a:schemeClr>
+            <a:schemeClr val="tx1"/>
           </a:solidFill>
           <a:latin typeface="+mn-lt"/>
           <a:ea typeface="+mn-ea"/>
           <a:cs typeface="+mn-cs"/>
         </a:defRPr>
-      </a:lvl4pPr>
-      <a:lvl5pPr marL="1280160" indent="-228600" algn="l" rtl="0" eaLnBrk="1" latinLnBrk="0" hangingPunct="1">
+      </a:lvl5pPr>
+      <a:lvl6pPr marL="1764792" indent="-182880" algn="l" rtl="0" eaLnBrk="1" latinLnBrk="0" hangingPunct="1">
         <a:spcBef>
-          <a:spcPts val="400"/>
+          <a:spcPct val="20000"/>
         </a:spcBef>
         <a:buClr>
-          <a:schemeClr val="accent4"/>
+          <a:schemeClr val="tx1"/>
         </a:buClr>
-        <a:buSzPct val="70000"/>
-        <a:buFont typeface="Wingdings"/>
-        <a:buChar char=""/>
+        <a:buFont typeface="Wingdings 3"/>
+        <a:buChar char=""/>
         <a:defRPr kumimoji="0" sz="1800" kern="1200">
           <a:solidFill>
             <a:schemeClr val="tx1"/>
@@ -3404,39 +2899,17 @@
           <a:ea typeface="+mn-ea"/>
           <a:cs typeface="+mn-cs"/>
         </a:defRPr>
-      </a:lvl5pPr>
-      <a:lvl6pPr marL="1472184" indent="-182880" algn="l" rtl="0" eaLnBrk="1" latinLnBrk="0" hangingPunct="1">
-        <a:spcBef>
-          <a:spcPts val="400"/>
-        </a:spcBef>
-        <a:buClr>
-          <a:schemeClr val="accent4"/>
-        </a:buClr>
-        <a:buSzPct val="80000"/>
-        <a:buFont typeface="Wingdings 2"/>
-        <a:buChar char=""/>
-        <a:defRPr kumimoji="0" sz="1800" kern="1200">
-          <a:solidFill>
-            <a:schemeClr val="tx1">
-              <a:tint val="85000"/>
-            </a:schemeClr>
-          </a:solidFill>
-          <a:latin typeface="+mn-lt"/>
-          <a:ea typeface="+mn-ea"/>
-          <a:cs typeface="+mn-cs"/>
-        </a:defRPr>
       </a:lvl6pPr>
-      <a:lvl7pPr marL="1673352" indent="-182880" algn="l" rtl="0" eaLnBrk="1" latinLnBrk="0" hangingPunct="1">
+      <a:lvl7pPr marL="1965960" indent="-182880" algn="l" rtl="0" eaLnBrk="1" latinLnBrk="0" hangingPunct="1">
         <a:spcBef>
           <a:spcPct val="20000"/>
         </a:spcBef>
         <a:buClr>
-          <a:schemeClr val="accent4"/>
+          <a:schemeClr val="tx1"/>
         </a:buClr>
-        <a:buSzPct val="80000"/>
         <a:buFont typeface="Wingdings 2"/>
-        <a:buChar char=""/>
-        <a:defRPr kumimoji="0" sz="1600" kern="1200" baseline="0">
+        <a:buChar char=""/>
+        <a:defRPr kumimoji="0" sz="1600" kern="1200">
           <a:solidFill>
             <a:schemeClr val="tx1"/>
           </a:solidFill>
@@ -3445,36 +2918,33 @@
           <a:cs typeface="+mn-cs"/>
         </a:defRPr>
       </a:lvl7pPr>
-      <a:lvl8pPr marL="1847088" indent="-182880" algn="l" rtl="0" eaLnBrk="1" latinLnBrk="0" hangingPunct="1">
+      <a:lvl8pPr marL="2167128" indent="-182880" algn="l" rtl="0" eaLnBrk="1" latinLnBrk="0" hangingPunct="1">
         <a:spcBef>
-          <a:spcPts val="300"/>
+          <a:spcPct val="20000"/>
         </a:spcBef>
         <a:buClr>
-          <a:schemeClr val="accent4"/>
+          <a:schemeClr val="tx1"/>
         </a:buClr>
-        <a:buSzPct val="100000"/>
-        <a:buChar char="•"/>
-        <a:defRPr kumimoji="0" sz="1600" kern="1200" baseline="0">
+        <a:buFont typeface="Wingdings 2"/>
+        <a:buChar char=""/>
+        <a:defRPr kumimoji="0" sz="1400" kern="1200">
           <a:solidFill>
-            <a:schemeClr val="tx1">
-              <a:tint val="85000"/>
-            </a:schemeClr>
+            <a:schemeClr val="tx1"/>
           </a:solidFill>
           <a:latin typeface="+mn-lt"/>
           <a:ea typeface="+mn-ea"/>
           <a:cs typeface="+mn-cs"/>
         </a:defRPr>
       </a:lvl8pPr>
-      <a:lvl9pPr marL="2057400" indent="-182880" algn="l" rtl="0" eaLnBrk="1" latinLnBrk="0" hangingPunct="1">
+      <a:lvl9pPr marL="2368296" indent="-182880" algn="l" rtl="0" eaLnBrk="1" latinLnBrk="0" hangingPunct="1">
         <a:spcBef>
           <a:spcPct val="20000"/>
         </a:spcBef>
         <a:buClr>
-          <a:schemeClr val="accent4"/>
+          <a:schemeClr val="tx1"/>
         </a:buClr>
-        <a:buSzPct val="100000"/>
-        <a:buFont typeface="Wingdings"/>
-        <a:buChar char="§"/>
+        <a:buFont typeface="Wingdings 2"/>
+        <a:buChar char=""/>
         <a:defRPr kumimoji="0" sz="1400" kern="1200" baseline="0">
           <a:solidFill>
             <a:schemeClr val="tx1"/>
@@ -3484,7 +2954,6 @@
           <a:cs typeface="+mn-cs"/>
         </a:defRPr>
       </a:lvl9pPr>
-      <a:extLst/>
     </p:bodyStyle>
     <p:otherStyle>
       <a:lvl1pPr marL="0" algn="l" rtl="0" eaLnBrk="1" latinLnBrk="0" hangingPunct="1">
@@ -3577,7 +3046,6 @@
           <a:cs typeface="+mn-cs"/>
         </a:defRPr>
       </a:lvl9pPr>
-      <a:extLst/>
     </p:otherStyle>
   </p:txStyles>
 </p:sldMaster>
@@ -3706,15 +3174,14 @@
         </p:nvPicPr>
         <p:blipFill>
           <a:blip r:embed="rId2"/>
-          <a:srcRect/>
           <a:stretch>
             <a:fillRect/>
           </a:stretch>
         </p:blipFill>
         <p:spPr bwMode="auto">
           <a:xfrm>
-            <a:off x="500034" y="1714488"/>
-            <a:ext cx="7239000" cy="4857784"/>
+            <a:off x="457200" y="1819387"/>
+            <a:ext cx="8229600" cy="4270151"/>
           </a:xfrm>
           <a:prstGeom prst="rect">
             <a:avLst/>
@@ -3789,15 +3256,14 @@
         </p:nvPicPr>
         <p:blipFill>
           <a:blip r:embed="rId2"/>
-          <a:srcRect/>
           <a:stretch>
             <a:fillRect/>
           </a:stretch>
         </p:blipFill>
         <p:spPr bwMode="auto">
           <a:xfrm>
-            <a:off x="285720" y="1714488"/>
-            <a:ext cx="7715304" cy="4786346"/>
+            <a:off x="457200" y="2004934"/>
+            <a:ext cx="8229600" cy="3899057"/>
           </a:xfrm>
           <a:prstGeom prst="rect">
             <a:avLst/>
@@ -3850,7 +3316,7 @@
         <p:spPr/>
         <p:txBody>
           <a:bodyPr>
-            <a:normAutofit fontScale="90000"/>
+            <a:normAutofit/>
           </a:bodyPr>
           <a:lstStyle/>
           <a:p>
@@ -3874,15 +3340,14 @@
         </p:nvPicPr>
         <p:blipFill>
           <a:blip r:embed="rId2"/>
-          <a:srcRect/>
           <a:stretch>
             <a:fillRect/>
           </a:stretch>
         </p:blipFill>
         <p:spPr bwMode="auto">
           <a:xfrm>
-            <a:off x="285720" y="1928802"/>
-            <a:ext cx="7643866" cy="4357718"/>
+            <a:off x="457200" y="2437665"/>
+            <a:ext cx="8229600" cy="3033595"/>
           </a:xfrm>
           <a:prstGeom prst="rect">
             <a:avLst/>
@@ -3957,15 +3422,14 @@
         </p:nvPicPr>
         <p:blipFill>
           <a:blip r:embed="rId2"/>
-          <a:srcRect/>
           <a:stretch>
             <a:fillRect/>
           </a:stretch>
         </p:blipFill>
         <p:spPr bwMode="auto">
           <a:xfrm>
-            <a:off x="457200" y="1785926"/>
-            <a:ext cx="7239000" cy="4714908"/>
+            <a:off x="457200" y="1924652"/>
+            <a:ext cx="8229600" cy="4059621"/>
           </a:xfrm>
           <a:prstGeom prst="rect">
             <a:avLst/>
@@ -4123,15 +3587,14 @@
         </p:nvPicPr>
         <p:blipFill>
           <a:blip r:embed="rId2"/>
-          <a:srcRect/>
           <a:stretch>
             <a:fillRect/>
           </a:stretch>
         </p:blipFill>
         <p:spPr bwMode="auto">
           <a:xfrm>
-            <a:off x="285720" y="1857364"/>
-            <a:ext cx="7715304" cy="4500593"/>
+            <a:off x="457200" y="2549891"/>
+            <a:ext cx="8229600" cy="2809142"/>
           </a:xfrm>
           <a:prstGeom prst="rect">
             <a:avLst/>
@@ -4155,9 +3618,9 @@
 </file>
 
 <file path=ppt/theme/theme1.xml><?xml version="1.0" encoding="utf-8"?>
-<a:theme xmlns:a="http://schemas.openxmlformats.org/drawingml/2006/main" name="Opulent">
+<a:theme xmlns:a="http://schemas.openxmlformats.org/drawingml/2006/main" name="Apex">
   <a:themeElements>
-    <a:clrScheme name="Opulent">
+    <a:clrScheme name="Apex">
       <a:dk1>
         <a:sysClr val="windowText" lastClr="000000"/>
       </a:dk1>
@@ -4165,48 +3628,50 @@
         <a:sysClr val="window" lastClr="FFFFFF"/>
       </a:lt1>
       <a:dk2>
-        <a:srgbClr val="B13F9A"/>
+        <a:srgbClr val="69676D"/>
       </a:dk2>
       <a:lt2>
-        <a:srgbClr val="F4E7ED"/>
+        <a:srgbClr val="C9C2D1"/>
       </a:lt2>
       <a:accent1>
-        <a:srgbClr val="B83D68"/>
+        <a:srgbClr val="CEB966"/>
       </a:accent1>
       <a:accent2>
-        <a:srgbClr val="AC66BB"/>
+        <a:srgbClr val="9CB084"/>
       </a:accent2>
       <a:accent3>
-        <a:srgbClr val="DE6C36"/>
+        <a:srgbClr val="6BB1C9"/>
       </a:accent3>
       <a:accent4>
-        <a:srgbClr val="F9B639"/>
+        <a:srgbClr val="6585CF"/>
       </a:accent4>
       <a:accent5>
-        <a:srgbClr val="CF6DA4"/>
+        <a:srgbClr val="7E6BC9"/>
       </a:accent5>
       <a:accent6>
-        <a:srgbClr val="FA8D3D"/>
+        <a:srgbClr val="A379BB"/>
       </a:accent6>
       <a:hlink>
-        <a:srgbClr val="FFDE66"/>
+        <a:srgbClr val="410082"/>
       </a:hlink>
       <a:folHlink>
-        <a:srgbClr val="D490C5"/>
+        <a:srgbClr val="932968"/>
       </a:folHlink>
     </a:clrScheme>
-    <a:fontScheme name="Opulent">
+    <a:fontScheme name="Apex">
       <a:majorFont>
-        <a:latin typeface="Trebuchet MS"/>
+        <a:latin typeface="Lucida Sans"/>
         <a:ea typeface=""/>
         <a:cs typeface=""/>
+        <a:font script="Grek" typeface="Arial"/>
+        <a:font script="Cyrl" typeface="Arial"/>
         <a:font script="Jpan" typeface="HG丸ｺﾞｼｯｸM-PRO"/>
-        <a:font script="Hang" typeface="HY그래픽M"/>
+        <a:font script="Hang" typeface="휴먼옛체"/>
         <a:font script="Hans" typeface="黑体"/>
         <a:font script="Hant" typeface="微軟正黑體"/>
         <a:font script="Arab" typeface="Tahoma"/>
-        <a:font script="Hebr" typeface="Gisha"/>
-        <a:font script="Thai" typeface="IrisUPC"/>
+        <a:font script="Hebr" typeface="Levenim MT"/>
+        <a:font script="Thai" typeface="FreesiaUPC"/>
         <a:font script="Ethi" typeface="Nyala"/>
         <a:font script="Beng" typeface="Vrinda"/>
         <a:font script="Gujr" typeface="Shruti"/>
@@ -4231,20 +3696,22 @@
         <a:font script="Uigh" typeface="Microsoft Uighur"/>
       </a:majorFont>
       <a:minorFont>
-        <a:latin typeface="Trebuchet MS"/>
+        <a:latin typeface="Book Antiqua"/>
         <a:ea typeface=""/>
         <a:cs typeface=""/>
-        <a:font script="Jpan" typeface="HG丸ｺﾞｼｯｸM-PRO"/>
-        <a:font script="Hang" typeface="HY그래픽M"/>
-        <a:font script="Hans" typeface="华文新魏"/>
-        <a:font script="Hant" typeface="微軟正黑體"/>
-        <a:font script="Arab" typeface="Tahoma"/>
-        <a:font script="Hebr" typeface="Gisha"/>
-        <a:font script="Thai" typeface="IrisUPC"/>
+        <a:font script="Grek" typeface="Times New Roman"/>
+        <a:font script="Cyrl" typeface="Times New Roman"/>
+        <a:font script="Jpan" typeface="HG明朝B"/>
+        <a:font script="Hang" typeface="돋움"/>
+        <a:font script="Hans" typeface="宋体"/>
+        <a:font script="Hant" typeface="新細明體"/>
+        <a:font script="Arab" typeface="Times New Roman"/>
+        <a:font script="Hebr" typeface="David"/>
+        <a:font script="Thai" typeface="EucrosiaUPC"/>
         <a:font script="Ethi" typeface="Nyala"/>
         <a:font script="Beng" typeface="Vrinda"/>
         <a:font script="Gujr" typeface="Shruti"/>
-        <a:font script="Khmr" typeface="DaunPenh"/>
+        <a:font script="Khmr" typeface="MoolBoran"/>
         <a:font script="Knda" typeface="Tunga"/>
         <a:font script="Guru" typeface="Raavi"/>
         <a:font script="Cans" typeface="Euphemia"/>
@@ -4261,102 +3728,88 @@
         <a:font script="Laoo" typeface="DokChampa"/>
         <a:font script="Sinh" typeface="Iskoola Pota"/>
         <a:font script="Mong" typeface="Mongolian Baiti"/>
-        <a:font script="Viet" typeface="Arial"/>
+        <a:font script="Viet" typeface="Times New Roman"/>
         <a:font script="Uigh" typeface="Microsoft Uighur"/>
       </a:minorFont>
     </a:fontScheme>
-    <a:fmtScheme name="Opulent">
+    <a:fmtScheme name="Apex">
       <a:fillStyleLst>
         <a:solidFill>
           <a:schemeClr val="phClr"/>
         </a:solidFill>
         <a:gradFill rotWithShape="1">
           <a:gsLst>
-            <a:gs pos="0">
+            <a:gs pos="20000">
               <a:schemeClr val="phClr">
-                <a:tint val="15000"/>
-                <a:satMod val="250000"/>
-              </a:schemeClr>
-            </a:gs>
-            <a:gs pos="49000">
-              <a:schemeClr val="phClr">
-                <a:tint val="50000"/>
-                <a:satMod val="200000"/>
-              </a:schemeClr>
-            </a:gs>
-            <a:gs pos="49100">
-              <a:schemeClr val="phClr">
-                <a:tint val="64000"/>
-                <a:satMod val="160000"/>
-              </a:schemeClr>
-            </a:gs>
-            <a:gs pos="92000">
-              <a:schemeClr val="phClr">
-                <a:tint val="50000"/>
-                <a:satMod val="200000"/>
+                <a:tint val="9000"/>
               </a:schemeClr>
             </a:gs>
             <a:gs pos="100000">
               <a:schemeClr val="phClr">
-                <a:tint val="43000"/>
-                <a:satMod val="190000"/>
+                <a:tint val="70000"/>
+                <a:satMod val="100000"/>
               </a:schemeClr>
             </a:gs>
           </a:gsLst>
-          <a:lin ang="5400000" scaled="1"/>
+          <a:path path="circle">
+            <a:fillToRect l="-15000" t="-15000" r="115000" b="115000"/>
+          </a:path>
         </a:gradFill>
         <a:gradFill rotWithShape="1">
           <a:gsLst>
             <a:gs pos="0">
               <a:schemeClr val="phClr">
-                <a:tint val="74000"/>
+                <a:shade val="60000"/>
               </a:schemeClr>
             </a:gs>
-            <a:gs pos="49000">
+            <a:gs pos="33000">
               <a:schemeClr val="phClr">
-                <a:tint val="96000"/>
-                <a:shade val="84000"/>
-                <a:satMod val="110000"/>
+                <a:tint val="86500"/>
               </a:schemeClr>
             </a:gs>
-            <a:gs pos="49100">
+            <a:gs pos="46750">
               <a:schemeClr val="phClr">
-                <a:shade val="55000"/>
-                <a:satMod val="150000"/>
+                <a:tint val="71000"/>
+                <a:satMod val="112000"/>
               </a:schemeClr>
             </a:gs>
-            <a:gs pos="92000">
+            <a:gs pos="53000">
               <a:schemeClr val="phClr">
-                <a:tint val="98000"/>
-                <a:shade val="90000"/>
-                <a:satMod val="128000"/>
+                <a:tint val="71000"/>
+                <a:satMod val="112000"/>
+              </a:schemeClr>
+            </a:gs>
+            <a:gs pos="68000">
+              <a:schemeClr val="phClr">
+                <a:tint val="86000"/>
               </a:schemeClr>
             </a:gs>
             <a:gs pos="100000">
               <a:schemeClr val="phClr">
-                <a:tint val="90000"/>
-                <a:shade val="97000"/>
-                <a:satMod val="128000"/>
+                <a:shade val="60000"/>
               </a:schemeClr>
             </a:gs>
           </a:gsLst>
-          <a:lin ang="5400000" scaled="1"/>
+          <a:lin ang="8350000" scaled="1"/>
         </a:gradFill>
       </a:fillStyleLst>
       <a:lnStyleLst>
-        <a:ln w="11430" cap="flat" cmpd="sng" algn="ctr">
+        <a:ln w="9525" cap="flat" cmpd="sng" algn="ctr">
+          <a:solidFill>
+            <a:schemeClr val="phClr">
+              <a:shade val="48000"/>
+              <a:satMod val="110000"/>
+            </a:schemeClr>
+          </a:solidFill>
+          <a:prstDash val="solid"/>
+        </a:ln>
+        <a:ln w="25400" cap="flat" cmpd="sng" algn="ctr">
           <a:solidFill>
             <a:schemeClr val="phClr"/>
           </a:solidFill>
           <a:prstDash val="solid"/>
         </a:ln>
-        <a:ln w="40000" cap="flat" cmpd="sng" algn="ctr">
-          <a:solidFill>
-            <a:schemeClr val="phClr"/>
-          </a:solidFill>
-          <a:prstDash val="solid"/>
-        </a:ln>
-        <a:ln w="31800" cap="flat" cmpd="sng" algn="ctr">
+        <a:ln w="38100" cap="flat" cmpd="sng" algn="ctr">
           <a:solidFill>
             <a:schemeClr val="phClr"/>
           </a:solidFill>
@@ -4366,44 +3819,40 @@
       <a:effectStyleLst>
         <a:effectStyle>
           <a:effectLst>
-            <a:outerShdw blurRad="50800" dist="25000" dir="5400000" rotWithShape="0">
-              <a:schemeClr val="phClr">
-                <a:shade val="30000"/>
-                <a:satMod val="150000"/>
-                <a:alpha val="38000"/>
-              </a:schemeClr>
+            <a:outerShdw blurRad="130000" dist="101600" dir="2700000" algn="tl" rotWithShape="0">
+              <a:srgbClr val="000000">
+                <a:alpha val="35000"/>
+              </a:srgbClr>
             </a:outerShdw>
           </a:effectLst>
         </a:effectStyle>
         <a:effectStyle>
           <a:effectLst>
-            <a:outerShdw blurRad="39000" dist="25400" dir="5400000" rotWithShape="0">
-              <a:schemeClr val="phClr">
-                <a:shade val="33000"/>
-                <a:alpha val="83000"/>
-              </a:schemeClr>
+            <a:outerShdw blurRad="190500" dist="228600" dir="2700000" sy="90000" rotWithShape="0">
+              <a:srgbClr val="000000">
+                <a:alpha val="25500"/>
+              </a:srgbClr>
             </a:outerShdw>
           </a:effectLst>
         </a:effectStyle>
         <a:effectStyle>
           <a:effectLst>
-            <a:outerShdw blurRad="39000" dist="25400" dir="5400000" rotWithShape="0">
-              <a:schemeClr val="phClr">
-                <a:shade val="33000"/>
-                <a:alpha val="83000"/>
-              </a:schemeClr>
+            <a:outerShdw blurRad="190500" dist="228600" dir="2700000" sy="90000" rotWithShape="0">
+              <a:srgbClr val="000000">
+                <a:alpha val="25500"/>
+              </a:srgbClr>
             </a:outerShdw>
           </a:effectLst>
           <a:scene3d>
             <a:camera prst="orthographicFront" fov="0">
               <a:rot lat="0" lon="0" rev="0"/>
             </a:camera>
-            <a:lightRig rig="contrasting" dir="t">
-              <a:rot lat="0" lon="0" rev="1500000"/>
+            <a:lightRig rig="soft" dir="tl">
+              <a:rot lat="0" lon="0" rev="20100000"/>
             </a:lightRig>
           </a:scene3d>
-          <a:sp3d extrusionH="127000" prstMaterial="powder">
-            <a:bevelT w="50800" h="63500"/>
+          <a:sp3d>
+            <a:bevelT w="50800" h="50800"/>
           </a:sp3d>
         </a:effectStyle>
       </a:effectStyleLst>
@@ -4415,35 +3864,37 @@
           <a:gsLst>
             <a:gs pos="0">
               <a:schemeClr val="phClr">
-                <a:tint val="78000"/>
-                <a:satMod val="220000"/>
+                <a:tint val="50000"/>
+                <a:satMod val="180000"/>
               </a:schemeClr>
             </a:gs>
             <a:gs pos="100000">
               <a:schemeClr val="phClr">
-                <a:shade val="35000"/>
-                <a:satMod val="155000"/>
+                <a:shade val="45000"/>
+                <a:satMod val="120000"/>
               </a:schemeClr>
             </a:gs>
           </a:gsLst>
           <a:path path="circle">
-            <a:fillToRect l="50000" t="50000" r="50000" b="50000"/>
+            <a:fillToRect r="100000" b="100000"/>
           </a:path>
         </a:gradFill>
         <a:blipFill>
           <a:blip xmlns:r="http://schemas.openxmlformats.org/officeDocument/2006/relationships" r:embed="rId1">
             <a:duotone>
               <a:schemeClr val="phClr">
-                <a:shade val="60000"/>
-                <a:satMod val="180000"/>
+                <a:shade val="3000"/>
+                <a:satMod val="110000"/>
               </a:schemeClr>
               <a:schemeClr val="phClr">
-                <a:tint val="500"/>
-                <a:satMod val="150000"/>
+                <a:tint val="60000"/>
+                <a:satMod val="425000"/>
               </a:schemeClr>
             </a:duotone>
           </a:blip>
-          <a:tile tx="0" ty="0" sx="50000" sy="50000" flip="none" algn="tl"/>
+          <a:stretch>
+            <a:fillRect/>
+          </a:stretch>
         </a:blipFill>
       </a:bgFillStyleLst>
     </a:fmtScheme>
